--- a/Dokumentation/Folien Carina.pptx
+++ b/Dokumentation/Folien Carina.pptx
@@ -6,13 +6,16 @@
     <p:sldMasterId id="2147483673" r:id="rId2"/>
   </p:sldMasterIdLst>
   <p:notesMasterIdLst>
-    <p:notesMasterId r:id="rId7"/>
+    <p:notesMasterId r:id="rId10"/>
   </p:notesMasterIdLst>
   <p:sldIdLst>
     <p:sldId id="257" r:id="rId3"/>
     <p:sldId id="259" r:id="rId4"/>
     <p:sldId id="264" r:id="rId5"/>
-    <p:sldId id="265" r:id="rId6"/>
+    <p:sldId id="267" r:id="rId6"/>
+    <p:sldId id="268" r:id="rId7"/>
+    <p:sldId id="266" r:id="rId8"/>
+    <p:sldId id="265" r:id="rId9"/>
   </p:sldIdLst>
   <p:sldSz cx="12192000" cy="6858000"/>
   <p:notesSz cx="6858000" cy="9144000"/>
@@ -310,7 +313,7 @@
           <a:p>
             <a:fld id="{1D4390D5-8AF6-4F53-B69A-94D3B161D8CB}" type="datetimeFigureOut">
               <a:rPr lang="de-DE" smtClean="0"/>
-              <a:t>15.06.2025</a:t>
+              <a:t>16.06.2025</a:t>
             </a:fld>
             <a:endParaRPr lang="de-DE"/>
           </a:p>
@@ -1610,7 +1613,7 @@
           <a:p>
             <a:fld id="{3965DFB0-D50B-4A28-BAB1-77E0CC558E34}" type="datetimeFigureOut">
               <a:rPr lang="de-DE" smtClean="0"/>
-              <a:t>15.06.2025</a:t>
+              <a:t>16.06.2025</a:t>
             </a:fld>
             <a:endParaRPr lang="de-DE"/>
           </a:p>
@@ -2114,7 +2117,7 @@
           <a:p>
             <a:fld id="{3965DFB0-D50B-4A28-BAB1-77E0CC558E34}" type="datetimeFigureOut">
               <a:rPr lang="de-DE" smtClean="0"/>
-              <a:t>15.06.2025</a:t>
+              <a:t>16.06.2025</a:t>
             </a:fld>
             <a:endParaRPr lang="de-DE"/>
           </a:p>
@@ -2379,7 +2382,7 @@
           <a:p>
             <a:fld id="{3965DFB0-D50B-4A28-BAB1-77E0CC558E34}" type="datetimeFigureOut">
               <a:rPr lang="de-DE" smtClean="0"/>
-              <a:t>15.06.2025</a:t>
+              <a:t>16.06.2025</a:t>
             </a:fld>
             <a:endParaRPr lang="de-DE"/>
           </a:p>
@@ -2791,7 +2794,7 @@
           <a:p>
             <a:fld id="{3965DFB0-D50B-4A28-BAB1-77E0CC558E34}" type="datetimeFigureOut">
               <a:rPr lang="de-DE" smtClean="0"/>
-              <a:t>15.06.2025</a:t>
+              <a:t>16.06.2025</a:t>
             </a:fld>
             <a:endParaRPr lang="de-DE"/>
           </a:p>
@@ -2932,7 +2935,7 @@
           <a:p>
             <a:fld id="{3965DFB0-D50B-4A28-BAB1-77E0CC558E34}" type="datetimeFigureOut">
               <a:rPr lang="de-DE" smtClean="0"/>
-              <a:t>15.06.2025</a:t>
+              <a:t>16.06.2025</a:t>
             </a:fld>
             <a:endParaRPr lang="de-DE"/>
           </a:p>
@@ -3045,7 +3048,7 @@
           <a:p>
             <a:fld id="{3965DFB0-D50B-4A28-BAB1-77E0CC558E34}" type="datetimeFigureOut">
               <a:rPr lang="de-DE" smtClean="0"/>
-              <a:t>15.06.2025</a:t>
+              <a:t>16.06.2025</a:t>
             </a:fld>
             <a:endParaRPr lang="de-DE"/>
           </a:p>
@@ -3575,7 +3578,7 @@
           <a:p>
             <a:fld id="{3965DFB0-D50B-4A28-BAB1-77E0CC558E34}" type="datetimeFigureOut">
               <a:rPr lang="de-DE" smtClean="0"/>
-              <a:t>15.06.2025</a:t>
+              <a:t>16.06.2025</a:t>
             </a:fld>
             <a:endParaRPr lang="de-DE"/>
           </a:p>
@@ -3863,7 +3866,7 @@
           <a:p>
             <a:fld id="{3965DFB0-D50B-4A28-BAB1-77E0CC558E34}" type="datetimeFigureOut">
               <a:rPr lang="de-DE" smtClean="0"/>
-              <a:t>15.06.2025</a:t>
+              <a:t>16.06.2025</a:t>
             </a:fld>
             <a:endParaRPr lang="de-DE"/>
           </a:p>
@@ -4061,7 +4064,7 @@
           <a:p>
             <a:fld id="{3965DFB0-D50B-4A28-BAB1-77E0CC558E34}" type="datetimeFigureOut">
               <a:rPr lang="de-DE" smtClean="0"/>
-              <a:t>15.06.2025</a:t>
+              <a:t>16.06.2025</a:t>
             </a:fld>
             <a:endParaRPr lang="de-DE"/>
           </a:p>
@@ -4269,7 +4272,7 @@
           <a:p>
             <a:fld id="{3965DFB0-D50B-4A28-BAB1-77E0CC558E34}" type="datetimeFigureOut">
               <a:rPr lang="de-DE" smtClean="0"/>
-              <a:t>15.06.2025</a:t>
+              <a:t>16.06.2025</a:t>
             </a:fld>
             <a:endParaRPr lang="de-DE"/>
           </a:p>
@@ -6787,7 +6790,7 @@
           <a:p>
             <a:fld id="{3965DFB0-D50B-4A28-BAB1-77E0CC558E34}" type="datetimeFigureOut">
               <a:rPr lang="de-DE" smtClean="0"/>
-              <a:t>15.06.2025</a:t>
+              <a:t>16.06.2025</a:t>
             </a:fld>
             <a:endParaRPr lang="de-DE"/>
           </a:p>
@@ -7228,19 +7231,14 @@
         </p:spPr>
         <p:txBody>
           <a:bodyPr>
-            <a:normAutofit fontScale="90000"/>
+            <a:normAutofit/>
           </a:bodyPr>
           <a:lstStyle/>
           <a:p>
             <a:r>
               <a:rPr lang="de-DE" dirty="0"/>
-              <a:t>Entwicklung eines </a:t>
-            </a:r>
-            <a:r>
-              <a:rPr lang="de-DE" dirty="0" err="1"/>
-              <a:t>Intelligentenempfehlungssystems</a:t>
-            </a:r>
-            <a:endParaRPr lang="de-DE" dirty="0"/>
+              <a:t>Entwicklung eines Intelligenten-Empfehlungssystems</a:t>
+            </a:r>
           </a:p>
         </p:txBody>
       </p:sp>
@@ -7473,7 +7471,7 @@
           <a:p>
             <a:r>
               <a:rPr lang="de-DE" dirty="0"/>
-              <a:t>Bugs</a:t>
+              <a:t>MVC auf unseren Code</a:t>
             </a:r>
           </a:p>
         </p:txBody>
@@ -7494,7 +7492,12 @@
             <p:ph idx="1"/>
           </p:nvPr>
         </p:nvSpPr>
-        <p:spPr/>
+        <p:spPr>
+          <a:xfrm>
+            <a:off x="838200" y="1825625"/>
+            <a:ext cx="6923314" cy="4351336"/>
+          </a:xfrm>
+        </p:spPr>
         <p:txBody>
           <a:bodyPr>
             <a:normAutofit/>
@@ -7504,54 +7507,9 @@
             <a:pPr marL="0" indent="0">
               <a:buNone/>
             </a:pPr>
-            <a:r>
-              <a:rPr lang="de-DE" dirty="0"/>
-              <a:t>Behobene Bugs</a:t>
-            </a:r>
-          </a:p>
-          <a:p>
-            <a:pPr marL="0" indent="0">
-              <a:buNone/>
-            </a:pPr>
             <a:endParaRPr lang="de-DE" dirty="0"/>
           </a:p>
           <a:p>
-            <a:r>
-              <a:rPr lang="de-DE" dirty="0"/>
-              <a:t>Doppelte Filme in der Datenbank</a:t>
-            </a:r>
-          </a:p>
-          <a:p>
-            <a:r>
-              <a:rPr lang="de-DE" dirty="0"/>
-              <a:t>Registrierung funktioniert nicht</a:t>
-            </a:r>
-          </a:p>
-          <a:p>
-            <a:r>
-              <a:rPr lang="de-DE" dirty="0"/>
-              <a:t>Erst gewählte Film in Empfehlungen besitzt keine Beschreibung</a:t>
-            </a:r>
-          </a:p>
-          <a:p>
-            <a:r>
-              <a:rPr lang="de-DE" dirty="0"/>
-              <a:t>Button überlappend mit Überschrift</a:t>
-            </a:r>
-          </a:p>
-          <a:p>
-            <a:r>
-              <a:rPr lang="de-DE" dirty="0"/>
-              <a:t>Doppelte Registrierungen &amp;  Favoritenmarkierung möglich</a:t>
-            </a:r>
-          </a:p>
-          <a:p>
-            <a:r>
-              <a:rPr lang="de-DE" dirty="0"/>
-              <a:t>Filme aus Favoriten auch in Empfehlungen</a:t>
-            </a:r>
-          </a:p>
-          <a:p>
             <a:endParaRPr lang="de-DE" dirty="0"/>
           </a:p>
           <a:p>
@@ -7562,6 +7520,73 @@
           </a:p>
         </p:txBody>
       </p:sp>
+      <p:pic>
+        <p:nvPicPr>
+          <p:cNvPr id="5" name="Grafik 4" descr="Ein Bild, das Text, Screenshot, Diagramm, Plan enthält.&#10;&#10;KI-generierte Inhalte können fehlerhaft sein.">
+            <a:extLst>
+              <a:ext uri="{FF2B5EF4-FFF2-40B4-BE49-F238E27FC236}">
+                <a16:creationId xmlns:a16="http://schemas.microsoft.com/office/drawing/2014/main" id="{C9404939-0045-2C5C-AD27-FFA035619A90}"/>
+              </a:ext>
+            </a:extLst>
+          </p:cNvPr>
+          <p:cNvPicPr>
+            <a:picLocks noChangeAspect="1"/>
+          </p:cNvPicPr>
+          <p:nvPr/>
+        </p:nvPicPr>
+        <p:blipFill>
+          <a:blip r:embed="rId2">
+            <a:extLst>
+              <a:ext uri="{28A0092B-C50C-407E-A947-70E740481C1C}">
+                <a14:useLocalDpi xmlns:a14="http://schemas.microsoft.com/office/drawing/2010/main" val="0"/>
+              </a:ext>
+            </a:extLst>
+          </a:blip>
+          <a:stretch>
+            <a:fillRect/>
+          </a:stretch>
+        </p:blipFill>
+        <p:spPr>
+          <a:xfrm>
+            <a:off x="515802" y="1274016"/>
+            <a:ext cx="7099648" cy="4875730"/>
+          </a:xfrm>
+          <a:prstGeom prst="rect">
+            <a:avLst/>
+          </a:prstGeom>
+        </p:spPr>
+      </p:pic>
+      <p:pic>
+        <p:nvPicPr>
+          <p:cNvPr id="9" name="Grafik 8">
+            <a:extLst>
+              <a:ext uri="{FF2B5EF4-FFF2-40B4-BE49-F238E27FC236}">
+                <a16:creationId xmlns:a16="http://schemas.microsoft.com/office/drawing/2014/main" id="{1EE70146-BEA6-C5E4-A97E-8418613233CB}"/>
+              </a:ext>
+            </a:extLst>
+          </p:cNvPr>
+          <p:cNvPicPr>
+            <a:picLocks noChangeAspect="1"/>
+          </p:cNvPicPr>
+          <p:nvPr/>
+        </p:nvPicPr>
+        <p:blipFill>
+          <a:blip r:embed="rId3"/>
+          <a:srcRect l="38467" r="38933"/>
+          <a:stretch>
+            <a:fillRect/>
+          </a:stretch>
+        </p:blipFill>
+        <p:spPr>
+          <a:xfrm>
+            <a:off x="8686800" y="2307682"/>
+            <a:ext cx="2792186" cy="2808397"/>
+          </a:xfrm>
+          <a:prstGeom prst="rect">
+            <a:avLst/>
+          </a:prstGeom>
+        </p:spPr>
+      </p:pic>
     </p:spTree>
     <p:extLst>
       <p:ext uri="{BB962C8B-B14F-4D97-AF65-F5344CB8AC3E}">
@@ -7576,6 +7601,708 @@
 </file>
 
 <file path=ppt/slides/slide4.xml><?xml version="1.0" encoding="utf-8"?>
+<p:sld xmlns:a="http://schemas.openxmlformats.org/drawingml/2006/main" xmlns:r="http://schemas.openxmlformats.org/officeDocument/2006/relationships" xmlns:p="http://schemas.openxmlformats.org/presentationml/2006/main">
+  <p:cSld>
+    <p:spTree>
+      <p:nvGrpSpPr>
+        <p:cNvPr id="1" name="">
+          <a:extLst>
+            <a:ext uri="{FF2B5EF4-FFF2-40B4-BE49-F238E27FC236}">
+              <a16:creationId xmlns:a16="http://schemas.microsoft.com/office/drawing/2014/main" id="{290A4258-8A5E-AC43-BC59-4269138532E9}"/>
+            </a:ext>
+          </a:extLst>
+        </p:cNvPr>
+        <p:cNvGrpSpPr/>
+        <p:nvPr/>
+      </p:nvGrpSpPr>
+      <p:grpSpPr>
+        <a:xfrm>
+          <a:off x="0" y="0"/>
+          <a:ext cx="0" cy="0"/>
+          <a:chOff x="0" y="0"/>
+          <a:chExt cx="0" cy="0"/>
+        </a:xfrm>
+      </p:grpSpPr>
+      <p:pic>
+        <p:nvPicPr>
+          <p:cNvPr id="7" name="Grafik 6" descr="Ein Bild, das Text, Screenshot, Diagramm, Plan enthält.&#10;&#10;KI-generierte Inhalte können fehlerhaft sein.">
+            <a:extLst>
+              <a:ext uri="{FF2B5EF4-FFF2-40B4-BE49-F238E27FC236}">
+                <a16:creationId xmlns:a16="http://schemas.microsoft.com/office/drawing/2014/main" id="{EC9AA3AD-20E6-BFAA-F493-40A5DDC17447}"/>
+              </a:ext>
+            </a:extLst>
+          </p:cNvPr>
+          <p:cNvPicPr>
+            <a:picLocks noChangeAspect="1"/>
+          </p:cNvPicPr>
+          <p:nvPr/>
+        </p:nvPicPr>
+        <p:blipFill>
+          <a:blip r:embed="rId2">
+            <a:extLst>
+              <a:ext uri="{28A0092B-C50C-407E-A947-70E740481C1C}">
+                <a14:useLocalDpi xmlns:a14="http://schemas.microsoft.com/office/drawing/2010/main" val="0"/>
+              </a:ext>
+            </a:extLst>
+          </a:blip>
+          <a:srcRect b="43567"/>
+          <a:stretch>
+            <a:fillRect/>
+          </a:stretch>
+        </p:blipFill>
+        <p:spPr>
+          <a:xfrm>
+            <a:off x="2045096" y="2139236"/>
+            <a:ext cx="9746008" cy="3777150"/>
+          </a:xfrm>
+          <a:prstGeom prst="rect">
+            <a:avLst/>
+          </a:prstGeom>
+        </p:spPr>
+      </p:pic>
+      <p:sp>
+        <p:nvSpPr>
+          <p:cNvPr id="2" name="Titel 1">
+            <a:extLst>
+              <a:ext uri="{FF2B5EF4-FFF2-40B4-BE49-F238E27FC236}">
+                <a16:creationId xmlns:a16="http://schemas.microsoft.com/office/drawing/2014/main" id="{9AC40CC0-DF21-8FAB-F925-110347616F7D}"/>
+              </a:ext>
+            </a:extLst>
+          </p:cNvPr>
+          <p:cNvSpPr>
+            <a:spLocks noGrp="1"/>
+          </p:cNvSpPr>
+          <p:nvPr>
+            <p:ph type="title"/>
+          </p:nvPr>
+        </p:nvSpPr>
+        <p:spPr/>
+        <p:txBody>
+          <a:bodyPr/>
+          <a:lstStyle/>
+          <a:p>
+            <a:r>
+              <a:rPr lang="de-DE" dirty="0"/>
+              <a:t>MVC auf unseren Code</a:t>
+            </a:r>
+          </a:p>
+        </p:txBody>
+      </p:sp>
+      <p:sp>
+        <p:nvSpPr>
+          <p:cNvPr id="3" name="Inhaltsplatzhalter 2">
+            <a:extLst>
+              <a:ext uri="{FF2B5EF4-FFF2-40B4-BE49-F238E27FC236}">
+                <a16:creationId xmlns:a16="http://schemas.microsoft.com/office/drawing/2014/main" id="{ED2FF6EE-DC4B-803F-70B3-4B9E35D83386}"/>
+              </a:ext>
+            </a:extLst>
+          </p:cNvPr>
+          <p:cNvSpPr>
+            <a:spLocks noGrp="1"/>
+          </p:cNvSpPr>
+          <p:nvPr>
+            <p:ph idx="1"/>
+          </p:nvPr>
+        </p:nvSpPr>
+        <p:spPr>
+          <a:xfrm>
+            <a:off x="838200" y="1825625"/>
+            <a:ext cx="6923314" cy="4351336"/>
+          </a:xfrm>
+        </p:spPr>
+        <p:txBody>
+          <a:bodyPr>
+            <a:normAutofit/>
+          </a:bodyPr>
+          <a:lstStyle/>
+          <a:p>
+            <a:pPr marL="0" indent="0">
+              <a:buNone/>
+            </a:pPr>
+            <a:endParaRPr lang="de-DE" dirty="0"/>
+          </a:p>
+          <a:p>
+            <a:endParaRPr lang="de-DE" dirty="0"/>
+          </a:p>
+          <a:p>
+            <a:endParaRPr lang="de-DE" dirty="0"/>
+          </a:p>
+          <a:p>
+            <a:endParaRPr lang="de-DE" dirty="0"/>
+          </a:p>
+        </p:txBody>
+      </p:sp>
+      <p:pic>
+        <p:nvPicPr>
+          <p:cNvPr id="5" name="Grafik 4" descr="Ein Bild, das Text, Screenshot, Diagramm, Plan enthält.&#10;&#10;KI-generierte Inhalte können fehlerhaft sein.">
+            <a:extLst>
+              <a:ext uri="{FF2B5EF4-FFF2-40B4-BE49-F238E27FC236}">
+                <a16:creationId xmlns:a16="http://schemas.microsoft.com/office/drawing/2014/main" id="{EE4BFECB-9861-5C6E-40FC-FEBC219A8A3B}"/>
+              </a:ext>
+            </a:extLst>
+          </p:cNvPr>
+          <p:cNvPicPr>
+            <a:picLocks noChangeAspect="1"/>
+          </p:cNvPicPr>
+          <p:nvPr/>
+        </p:nvPicPr>
+        <p:blipFill>
+          <a:blip r:embed="rId2">
+            <a:extLst>
+              <a:ext uri="{28A0092B-C50C-407E-A947-70E740481C1C}">
+                <a14:useLocalDpi xmlns:a14="http://schemas.microsoft.com/office/drawing/2010/main" val="0"/>
+              </a:ext>
+            </a:extLst>
+          </a:blip>
+          <a:stretch>
+            <a:fillRect/>
+          </a:stretch>
+        </p:blipFill>
+        <p:spPr>
+          <a:xfrm>
+            <a:off x="515802" y="1274016"/>
+            <a:ext cx="2519730" cy="1730441"/>
+          </a:xfrm>
+          <a:prstGeom prst="rect">
+            <a:avLst/>
+          </a:prstGeom>
+        </p:spPr>
+      </p:pic>
+      <p:sp>
+        <p:nvSpPr>
+          <p:cNvPr id="4" name="Ellipse 3">
+            <a:extLst>
+              <a:ext uri="{FF2B5EF4-FFF2-40B4-BE49-F238E27FC236}">
+                <a16:creationId xmlns:a16="http://schemas.microsoft.com/office/drawing/2014/main" id="{F4BA54B0-ECB3-FC3A-3EBC-A1CF40C8FAA1}"/>
+              </a:ext>
+            </a:extLst>
+          </p:cNvPr>
+          <p:cNvSpPr/>
+          <p:nvPr/>
+        </p:nvSpPr>
+        <p:spPr>
+          <a:xfrm>
+            <a:off x="391886" y="1274016"/>
+            <a:ext cx="2857500" cy="968441"/>
+          </a:xfrm>
+          <a:prstGeom prst="ellipse">
+            <a:avLst/>
+          </a:prstGeom>
+          <a:noFill/>
+          <a:ln>
+            <a:solidFill>
+              <a:schemeClr val="tx1"/>
+            </a:solidFill>
+          </a:ln>
+        </p:spPr>
+        <p:style>
+          <a:lnRef idx="2">
+            <a:schemeClr val="accent1">
+              <a:shade val="15000"/>
+            </a:schemeClr>
+          </a:lnRef>
+          <a:fillRef idx="1">
+            <a:schemeClr val="accent1"/>
+          </a:fillRef>
+          <a:effectRef idx="0">
+            <a:schemeClr val="accent1"/>
+          </a:effectRef>
+          <a:fontRef idx="minor">
+            <a:schemeClr val="lt1"/>
+          </a:fontRef>
+        </p:style>
+        <p:txBody>
+          <a:bodyPr rtlCol="0" anchor="ctr"/>
+          <a:lstStyle/>
+          <a:p>
+            <a:pPr algn="ctr"/>
+            <a:endParaRPr lang="de-DE"/>
+          </a:p>
+        </p:txBody>
+      </p:sp>
+      <p:cxnSp>
+        <p:nvCxnSpPr>
+          <p:cNvPr id="10" name="Gerade Verbindung mit Pfeil 9">
+            <a:extLst>
+              <a:ext uri="{FF2B5EF4-FFF2-40B4-BE49-F238E27FC236}">
+                <a16:creationId xmlns:a16="http://schemas.microsoft.com/office/drawing/2014/main" id="{8E96E435-8D16-E45B-76D2-B40663DEB605}"/>
+              </a:ext>
+            </a:extLst>
+          </p:cNvPr>
+          <p:cNvCxnSpPr>
+            <a:cxnSpLocks/>
+          </p:cNvCxnSpPr>
+          <p:nvPr/>
+        </p:nvCxnSpPr>
+        <p:spPr>
+          <a:xfrm>
+            <a:off x="3200400" y="1970263"/>
+            <a:ext cx="832757" cy="783577"/>
+          </a:xfrm>
+          <a:prstGeom prst="straightConnector1">
+            <a:avLst/>
+          </a:prstGeom>
+          <a:ln w="38100">
+            <a:solidFill>
+              <a:schemeClr val="tx1"/>
+            </a:solidFill>
+            <a:tailEnd type="triangle"/>
+          </a:ln>
+        </p:spPr>
+        <p:style>
+          <a:lnRef idx="2">
+            <a:schemeClr val="accent1"/>
+          </a:lnRef>
+          <a:fillRef idx="0">
+            <a:schemeClr val="accent1"/>
+          </a:fillRef>
+          <a:effectRef idx="1">
+            <a:schemeClr val="accent1"/>
+          </a:effectRef>
+          <a:fontRef idx="minor">
+            <a:schemeClr val="tx1"/>
+          </a:fontRef>
+        </p:style>
+      </p:cxnSp>
+    </p:spTree>
+    <p:extLst>
+      <p:ext uri="{BB962C8B-B14F-4D97-AF65-F5344CB8AC3E}">
+        <p14:creationId xmlns:p14="http://schemas.microsoft.com/office/powerpoint/2010/main" val="2516805283"/>
+      </p:ext>
+    </p:extLst>
+  </p:cSld>
+  <p:clrMapOvr>
+    <a:masterClrMapping/>
+  </p:clrMapOvr>
+</p:sld>
+</file>
+
+<file path=ppt/slides/slide5.xml><?xml version="1.0" encoding="utf-8"?>
+<p:sld xmlns:a="http://schemas.openxmlformats.org/drawingml/2006/main" xmlns:r="http://schemas.openxmlformats.org/officeDocument/2006/relationships" xmlns:p="http://schemas.openxmlformats.org/presentationml/2006/main">
+  <p:cSld>
+    <p:spTree>
+      <p:nvGrpSpPr>
+        <p:cNvPr id="1" name="">
+          <a:extLst>
+            <a:ext uri="{FF2B5EF4-FFF2-40B4-BE49-F238E27FC236}">
+              <a16:creationId xmlns:a16="http://schemas.microsoft.com/office/drawing/2014/main" id="{E4CF2056-A354-A33D-8DEC-7ACB47BDB918}"/>
+            </a:ext>
+          </a:extLst>
+        </p:cNvPr>
+        <p:cNvGrpSpPr/>
+        <p:nvPr/>
+      </p:nvGrpSpPr>
+      <p:grpSpPr>
+        <a:xfrm>
+          <a:off x="0" y="0"/>
+          <a:ext cx="0" cy="0"/>
+          <a:chOff x="0" y="0"/>
+          <a:chExt cx="0" cy="0"/>
+        </a:xfrm>
+      </p:grpSpPr>
+      <p:pic>
+        <p:nvPicPr>
+          <p:cNvPr id="8" name="Grafik 7" descr="Ein Bild, das Text, Screenshot, Diagramm, Plan enthält.&#10;&#10;KI-generierte Inhalte können fehlerhaft sein.">
+            <a:extLst>
+              <a:ext uri="{FF2B5EF4-FFF2-40B4-BE49-F238E27FC236}">
+                <a16:creationId xmlns:a16="http://schemas.microsoft.com/office/drawing/2014/main" id="{7036A5E0-77A2-F3D0-78F9-473DE777DB8C}"/>
+              </a:ext>
+            </a:extLst>
+          </p:cNvPr>
+          <p:cNvPicPr>
+            <a:picLocks noChangeAspect="1"/>
+          </p:cNvPicPr>
+          <p:nvPr/>
+        </p:nvPicPr>
+        <p:blipFill>
+          <a:blip r:embed="rId2">
+            <a:extLst>
+              <a:ext uri="{28A0092B-C50C-407E-A947-70E740481C1C}">
+                <a14:useLocalDpi xmlns:a14="http://schemas.microsoft.com/office/drawing/2010/main" val="0"/>
+              </a:ext>
+            </a:extLst>
+          </a:blip>
+          <a:srcRect l="13345" t="51706" r="20795"/>
+          <a:stretch>
+            <a:fillRect/>
+          </a:stretch>
+        </p:blipFill>
+        <p:spPr>
+          <a:xfrm>
+            <a:off x="3695700" y="2416629"/>
+            <a:ext cx="7317124" cy="3684814"/>
+          </a:xfrm>
+          <a:prstGeom prst="rect">
+            <a:avLst/>
+          </a:prstGeom>
+        </p:spPr>
+      </p:pic>
+      <p:sp>
+        <p:nvSpPr>
+          <p:cNvPr id="2" name="Titel 1">
+            <a:extLst>
+              <a:ext uri="{FF2B5EF4-FFF2-40B4-BE49-F238E27FC236}">
+                <a16:creationId xmlns:a16="http://schemas.microsoft.com/office/drawing/2014/main" id="{85793595-9DC1-7596-B4C2-83AC0B87E674}"/>
+              </a:ext>
+            </a:extLst>
+          </p:cNvPr>
+          <p:cNvSpPr>
+            <a:spLocks noGrp="1"/>
+          </p:cNvSpPr>
+          <p:nvPr>
+            <p:ph type="title"/>
+          </p:nvPr>
+        </p:nvSpPr>
+        <p:spPr/>
+        <p:txBody>
+          <a:bodyPr/>
+          <a:lstStyle/>
+          <a:p>
+            <a:r>
+              <a:rPr lang="de-DE" dirty="0"/>
+              <a:t>MVC auf unseren Code</a:t>
+            </a:r>
+          </a:p>
+        </p:txBody>
+      </p:sp>
+      <p:sp>
+        <p:nvSpPr>
+          <p:cNvPr id="3" name="Inhaltsplatzhalter 2">
+            <a:extLst>
+              <a:ext uri="{FF2B5EF4-FFF2-40B4-BE49-F238E27FC236}">
+                <a16:creationId xmlns:a16="http://schemas.microsoft.com/office/drawing/2014/main" id="{3CBFDEB5-3875-E61A-AB87-F78D2A2B441E}"/>
+              </a:ext>
+            </a:extLst>
+          </p:cNvPr>
+          <p:cNvSpPr>
+            <a:spLocks noGrp="1"/>
+          </p:cNvSpPr>
+          <p:nvPr>
+            <p:ph idx="1"/>
+          </p:nvPr>
+        </p:nvSpPr>
+        <p:spPr>
+          <a:xfrm>
+            <a:off x="838200" y="1825625"/>
+            <a:ext cx="6923314" cy="4351336"/>
+          </a:xfrm>
+        </p:spPr>
+        <p:txBody>
+          <a:bodyPr>
+            <a:normAutofit/>
+          </a:bodyPr>
+          <a:lstStyle/>
+          <a:p>
+            <a:pPr marL="0" indent="0">
+              <a:buNone/>
+            </a:pPr>
+            <a:endParaRPr lang="de-DE" dirty="0"/>
+          </a:p>
+          <a:p>
+            <a:endParaRPr lang="de-DE" dirty="0"/>
+          </a:p>
+          <a:p>
+            <a:endParaRPr lang="de-DE" dirty="0"/>
+          </a:p>
+          <a:p>
+            <a:endParaRPr lang="de-DE" dirty="0"/>
+          </a:p>
+        </p:txBody>
+      </p:sp>
+      <p:pic>
+        <p:nvPicPr>
+          <p:cNvPr id="5" name="Grafik 4" descr="Ein Bild, das Text, Screenshot, Diagramm, Plan enthält.&#10;&#10;KI-generierte Inhalte können fehlerhaft sein.">
+            <a:extLst>
+              <a:ext uri="{FF2B5EF4-FFF2-40B4-BE49-F238E27FC236}">
+                <a16:creationId xmlns:a16="http://schemas.microsoft.com/office/drawing/2014/main" id="{F84D71B0-0745-59DE-6670-B3A3F1652FAB}"/>
+              </a:ext>
+            </a:extLst>
+          </p:cNvPr>
+          <p:cNvPicPr>
+            <a:picLocks noChangeAspect="1"/>
+          </p:cNvPicPr>
+          <p:nvPr/>
+        </p:nvPicPr>
+        <p:blipFill>
+          <a:blip r:embed="rId2">
+            <a:extLst>
+              <a:ext uri="{28A0092B-C50C-407E-A947-70E740481C1C}">
+                <a14:useLocalDpi xmlns:a14="http://schemas.microsoft.com/office/drawing/2010/main" val="0"/>
+              </a:ext>
+            </a:extLst>
+          </a:blip>
+          <a:stretch>
+            <a:fillRect/>
+          </a:stretch>
+        </p:blipFill>
+        <p:spPr>
+          <a:xfrm>
+            <a:off x="515802" y="1274016"/>
+            <a:ext cx="2519730" cy="1730441"/>
+          </a:xfrm>
+          <a:prstGeom prst="rect">
+            <a:avLst/>
+          </a:prstGeom>
+        </p:spPr>
+      </p:pic>
+      <p:sp>
+        <p:nvSpPr>
+          <p:cNvPr id="4" name="Ellipse 3">
+            <a:extLst>
+              <a:ext uri="{FF2B5EF4-FFF2-40B4-BE49-F238E27FC236}">
+                <a16:creationId xmlns:a16="http://schemas.microsoft.com/office/drawing/2014/main" id="{EBC0AB9D-236F-F606-A9CA-56863070E4CF}"/>
+              </a:ext>
+            </a:extLst>
+          </p:cNvPr>
+          <p:cNvSpPr/>
+          <p:nvPr/>
+        </p:nvSpPr>
+        <p:spPr>
+          <a:xfrm>
+            <a:off x="342900" y="2074116"/>
+            <a:ext cx="2857500" cy="1065278"/>
+          </a:xfrm>
+          <a:prstGeom prst="ellipse">
+            <a:avLst/>
+          </a:prstGeom>
+          <a:noFill/>
+          <a:ln>
+            <a:solidFill>
+              <a:schemeClr val="tx1"/>
+            </a:solidFill>
+          </a:ln>
+        </p:spPr>
+        <p:style>
+          <a:lnRef idx="2">
+            <a:schemeClr val="accent1">
+              <a:shade val="15000"/>
+            </a:schemeClr>
+          </a:lnRef>
+          <a:fillRef idx="1">
+            <a:schemeClr val="accent1"/>
+          </a:fillRef>
+          <a:effectRef idx="0">
+            <a:schemeClr val="accent1"/>
+          </a:effectRef>
+          <a:fontRef idx="minor">
+            <a:schemeClr val="lt1"/>
+          </a:fontRef>
+        </p:style>
+        <p:txBody>
+          <a:bodyPr rtlCol="0" anchor="ctr"/>
+          <a:lstStyle/>
+          <a:p>
+            <a:pPr algn="ctr"/>
+            <a:endParaRPr lang="de-DE"/>
+          </a:p>
+        </p:txBody>
+      </p:sp>
+      <p:cxnSp>
+        <p:nvCxnSpPr>
+          <p:cNvPr id="10" name="Gerade Verbindung mit Pfeil 9">
+            <a:extLst>
+              <a:ext uri="{FF2B5EF4-FFF2-40B4-BE49-F238E27FC236}">
+                <a16:creationId xmlns:a16="http://schemas.microsoft.com/office/drawing/2014/main" id="{25188317-D25D-53A1-5EA6-CAD5252C9A37}"/>
+              </a:ext>
+            </a:extLst>
+          </p:cNvPr>
+          <p:cNvCxnSpPr>
+            <a:cxnSpLocks/>
+          </p:cNvCxnSpPr>
+          <p:nvPr/>
+        </p:nvCxnSpPr>
+        <p:spPr>
+          <a:xfrm>
+            <a:off x="3106419" y="2882542"/>
+            <a:ext cx="855981" cy="256852"/>
+          </a:xfrm>
+          <a:prstGeom prst="straightConnector1">
+            <a:avLst/>
+          </a:prstGeom>
+          <a:ln w="38100">
+            <a:solidFill>
+              <a:schemeClr val="tx1"/>
+            </a:solidFill>
+            <a:tailEnd type="triangle"/>
+          </a:ln>
+        </p:spPr>
+        <p:style>
+          <a:lnRef idx="2">
+            <a:schemeClr val="accent1"/>
+          </a:lnRef>
+          <a:fillRef idx="0">
+            <a:schemeClr val="accent1"/>
+          </a:fillRef>
+          <a:effectRef idx="1">
+            <a:schemeClr val="accent1"/>
+          </a:effectRef>
+          <a:fontRef idx="minor">
+            <a:schemeClr val="tx1"/>
+          </a:fontRef>
+        </p:style>
+      </p:cxnSp>
+    </p:spTree>
+    <p:extLst>
+      <p:ext uri="{BB962C8B-B14F-4D97-AF65-F5344CB8AC3E}">
+        <p14:creationId xmlns:p14="http://schemas.microsoft.com/office/powerpoint/2010/main" val="2360810065"/>
+      </p:ext>
+    </p:extLst>
+  </p:cSld>
+  <p:clrMapOvr>
+    <a:masterClrMapping/>
+  </p:clrMapOvr>
+</p:sld>
+</file>
+
+<file path=ppt/slides/slide6.xml><?xml version="1.0" encoding="utf-8"?>
+<p:sld xmlns:a="http://schemas.openxmlformats.org/drawingml/2006/main" xmlns:r="http://schemas.openxmlformats.org/officeDocument/2006/relationships" xmlns:p="http://schemas.openxmlformats.org/presentationml/2006/main">
+  <p:cSld>
+    <p:spTree>
+      <p:nvGrpSpPr>
+        <p:cNvPr id="1" name="">
+          <a:extLst>
+            <a:ext uri="{FF2B5EF4-FFF2-40B4-BE49-F238E27FC236}">
+              <a16:creationId xmlns:a16="http://schemas.microsoft.com/office/drawing/2014/main" id="{70F9143B-9078-8286-7AC1-3F3E7254AD3A}"/>
+            </a:ext>
+          </a:extLst>
+        </p:cNvPr>
+        <p:cNvGrpSpPr/>
+        <p:nvPr/>
+      </p:nvGrpSpPr>
+      <p:grpSpPr>
+        <a:xfrm>
+          <a:off x="0" y="0"/>
+          <a:ext cx="0" cy="0"/>
+          <a:chOff x="0" y="0"/>
+          <a:chExt cx="0" cy="0"/>
+        </a:xfrm>
+      </p:grpSpPr>
+      <p:sp>
+        <p:nvSpPr>
+          <p:cNvPr id="2" name="Titel 1">
+            <a:extLst>
+              <a:ext uri="{FF2B5EF4-FFF2-40B4-BE49-F238E27FC236}">
+                <a16:creationId xmlns:a16="http://schemas.microsoft.com/office/drawing/2014/main" id="{4EDE7030-C1FB-7F10-6C27-2E331BFE0BFA}"/>
+              </a:ext>
+            </a:extLst>
+          </p:cNvPr>
+          <p:cNvSpPr>
+            <a:spLocks noGrp="1"/>
+          </p:cNvSpPr>
+          <p:nvPr>
+            <p:ph type="title"/>
+          </p:nvPr>
+        </p:nvSpPr>
+        <p:spPr/>
+        <p:txBody>
+          <a:bodyPr/>
+          <a:lstStyle/>
+          <a:p>
+            <a:r>
+              <a:rPr lang="de-DE" dirty="0"/>
+              <a:t>Bugs</a:t>
+            </a:r>
+          </a:p>
+        </p:txBody>
+      </p:sp>
+      <p:sp>
+        <p:nvSpPr>
+          <p:cNvPr id="3" name="Inhaltsplatzhalter 2">
+            <a:extLst>
+              <a:ext uri="{FF2B5EF4-FFF2-40B4-BE49-F238E27FC236}">
+                <a16:creationId xmlns:a16="http://schemas.microsoft.com/office/drawing/2014/main" id="{A5BEF4DD-60CE-F106-AA0F-F11031235629}"/>
+              </a:ext>
+            </a:extLst>
+          </p:cNvPr>
+          <p:cNvSpPr>
+            <a:spLocks noGrp="1"/>
+          </p:cNvSpPr>
+          <p:nvPr>
+            <p:ph idx="1"/>
+          </p:nvPr>
+        </p:nvSpPr>
+        <p:spPr/>
+        <p:txBody>
+          <a:bodyPr>
+            <a:normAutofit/>
+          </a:bodyPr>
+          <a:lstStyle/>
+          <a:p>
+            <a:pPr marL="0" indent="0">
+              <a:buNone/>
+            </a:pPr>
+            <a:r>
+              <a:rPr lang="de-DE" dirty="0"/>
+              <a:t>Behobene Bugs</a:t>
+            </a:r>
+          </a:p>
+          <a:p>
+            <a:pPr marL="0" indent="0">
+              <a:buNone/>
+            </a:pPr>
+            <a:endParaRPr lang="de-DE" dirty="0"/>
+          </a:p>
+          <a:p>
+            <a:r>
+              <a:rPr lang="de-DE" dirty="0"/>
+              <a:t>Doppelte Filme in der Datenbank</a:t>
+            </a:r>
+          </a:p>
+          <a:p>
+            <a:r>
+              <a:rPr lang="de-DE" dirty="0"/>
+              <a:t>Registrierung funktioniert nicht</a:t>
+            </a:r>
+          </a:p>
+          <a:p>
+            <a:r>
+              <a:rPr lang="de-DE" dirty="0"/>
+              <a:t>Erst gewählte Film in Empfehlungen besitzt keine Beschreibung</a:t>
+            </a:r>
+          </a:p>
+          <a:p>
+            <a:r>
+              <a:rPr lang="de-DE" dirty="0"/>
+              <a:t>Button überlappend mit Überschrift</a:t>
+            </a:r>
+          </a:p>
+          <a:p>
+            <a:r>
+              <a:rPr lang="de-DE" dirty="0"/>
+              <a:t>Doppelte Registrierungen &amp;  Favoritenmarkierung möglich</a:t>
+            </a:r>
+          </a:p>
+          <a:p>
+            <a:r>
+              <a:rPr lang="de-DE" dirty="0"/>
+              <a:t>Filme aus Favoriten auch in Empfehlungen</a:t>
+            </a:r>
+          </a:p>
+          <a:p>
+            <a:endParaRPr lang="de-DE" dirty="0"/>
+          </a:p>
+          <a:p>
+            <a:endParaRPr lang="de-DE" dirty="0"/>
+          </a:p>
+          <a:p>
+            <a:endParaRPr lang="de-DE" dirty="0"/>
+          </a:p>
+        </p:txBody>
+      </p:sp>
+    </p:spTree>
+    <p:extLst>
+      <p:ext uri="{BB962C8B-B14F-4D97-AF65-F5344CB8AC3E}">
+        <p14:creationId xmlns:p14="http://schemas.microsoft.com/office/powerpoint/2010/main" val="4260065550"/>
+      </p:ext>
+    </p:extLst>
+  </p:cSld>
+  <p:clrMapOvr>
+    <a:masterClrMapping/>
+  </p:clrMapOvr>
+</p:sld>
+</file>
+
+<file path=ppt/slides/slide7.xml><?xml version="1.0" encoding="utf-8"?>
 <p:sld xmlns:a="http://schemas.openxmlformats.org/drawingml/2006/main" xmlns:r="http://schemas.openxmlformats.org/officeDocument/2006/relationships" xmlns:p="http://schemas.openxmlformats.org/presentationml/2006/main">
   <p:cSld>
     <p:spTree>
@@ -7687,19 +8414,20 @@
             </a:r>
           </a:p>
           <a:p>
-            <a:r>
-              <a:rPr lang="de-DE" dirty="0"/>
-              <a:t>Wenige Filmbeschreibungen fehlen </a:t>
-            </a:r>
-          </a:p>
-          <a:p>
             <a:pPr marL="0" indent="0">
               <a:buNone/>
             </a:pPr>
             <a:endParaRPr lang="de-DE" dirty="0"/>
           </a:p>
           <a:p>
-            <a:endParaRPr lang="de-DE" dirty="0"/>
+            <a:r>
+              <a:rPr lang="de-DE" dirty="0">
+                <a:highlight>
+                  <a:srgbClr val="FFFF00"/>
+                </a:highlight>
+              </a:rPr>
+              <a:t>Bild ersetzten</a:t>
+            </a:r>
           </a:p>
           <a:p>
             <a:endParaRPr lang="de-DE" dirty="0"/>

--- a/Dokumentation/Folien Carina.pptx
+++ b/Dokumentation/Folien Carina.pptx
@@ -6,7 +6,7 @@
     <p:sldMasterId id="2147483673" r:id="rId2"/>
   </p:sldMasterIdLst>
   <p:notesMasterIdLst>
-    <p:notesMasterId r:id="rId10"/>
+    <p:notesMasterId r:id="rId11"/>
   </p:notesMasterIdLst>
   <p:sldIdLst>
     <p:sldId id="257" r:id="rId3"/>
@@ -16,6 +16,7 @@
     <p:sldId id="268" r:id="rId7"/>
     <p:sldId id="266" r:id="rId8"/>
     <p:sldId id="265" r:id="rId9"/>
+    <p:sldId id="269" r:id="rId10"/>
   </p:sldIdLst>
   <p:sldSz cx="12192000" cy="6858000"/>
   <p:notesSz cx="6858000" cy="9144000"/>
@@ -7579,7 +7580,7 @@
         </p:blipFill>
         <p:spPr>
           <a:xfrm>
-            <a:off x="8686800" y="2307682"/>
+            <a:off x="8686800" y="2531962"/>
             <a:ext cx="2792186" cy="2808397"/>
           </a:xfrm>
           <a:prstGeom prst="rect">
@@ -7587,6 +7588,45 @@
           </a:prstGeom>
         </p:spPr>
       </p:pic>
+      <p:sp>
+        <p:nvSpPr>
+          <p:cNvPr id="4" name="Textfeld 3">
+            <a:extLst>
+              <a:ext uri="{FF2B5EF4-FFF2-40B4-BE49-F238E27FC236}">
+                <a16:creationId xmlns:a16="http://schemas.microsoft.com/office/drawing/2014/main" id="{9489C2AE-CCAA-B428-EA22-5F9040AD1CBF}"/>
+              </a:ext>
+            </a:extLst>
+          </p:cNvPr>
+          <p:cNvSpPr txBox="1"/>
+          <p:nvPr/>
+        </p:nvSpPr>
+        <p:spPr>
+          <a:xfrm>
+            <a:off x="8686800" y="2049905"/>
+            <a:ext cx="2329133" cy="523220"/>
+          </a:xfrm>
+          <a:prstGeom prst="rect">
+            <a:avLst/>
+          </a:prstGeom>
+          <a:noFill/>
+        </p:spPr>
+        <p:txBody>
+          <a:bodyPr wrap="square" rtlCol="0">
+            <a:spAutoFit/>
+          </a:bodyPr>
+          <a:lstStyle/>
+          <a:p>
+            <a:r>
+              <a:rPr lang="de-DE" sz="2800" dirty="0" err="1"/>
+              <a:t>Tkinter</a:t>
+            </a:r>
+            <a:r>
+              <a:rPr lang="de-DE" sz="2800" dirty="0"/>
+              <a:t>:</a:t>
+            </a:r>
+          </a:p>
+        </p:txBody>
+      </p:sp>
     </p:spTree>
     <p:extLst>
       <p:ext uri="{BB962C8B-B14F-4D97-AF65-F5344CB8AC3E}">
@@ -8200,7 +8240,7 @@
           <a:p>
             <a:r>
               <a:rPr lang="de-DE" dirty="0"/>
-              <a:t>Bugs</a:t>
+              <a:t>Bugs und Herausforderungen</a:t>
             </a:r>
           </a:p>
         </p:txBody>
@@ -8325,6 +8365,42 @@
           <a:chExt cx="0" cy="0"/>
         </a:xfrm>
       </p:grpSpPr>
+      <p:pic>
+        <p:nvPicPr>
+          <p:cNvPr id="13" name="Grafik 12">
+            <a:extLst>
+              <a:ext uri="{FF2B5EF4-FFF2-40B4-BE49-F238E27FC236}">
+                <a16:creationId xmlns:a16="http://schemas.microsoft.com/office/drawing/2014/main" id="{5806AB56-C88F-ACDF-C787-7DA13C3A6161}"/>
+              </a:ext>
+            </a:extLst>
+          </p:cNvPr>
+          <p:cNvPicPr>
+            <a:picLocks noChangeAspect="1"/>
+          </p:cNvPicPr>
+          <p:nvPr/>
+        </p:nvPicPr>
+        <p:blipFill>
+          <a:blip r:embed="rId2"/>
+          <a:srcRect l="1329" t="1644"/>
+          <a:stretch>
+            <a:fillRect/>
+          </a:stretch>
+        </p:blipFill>
+        <p:spPr>
+          <a:xfrm>
+            <a:off x="3899690" y="328707"/>
+            <a:ext cx="4582800" cy="2930185"/>
+          </a:xfrm>
+          <a:prstGeom prst="rect">
+            <a:avLst/>
+          </a:prstGeom>
+          <a:ln>
+            <a:solidFill>
+              <a:schemeClr val="tx1"/>
+            </a:solidFill>
+          </a:ln>
+        </p:spPr>
+      </p:pic>
       <p:sp>
         <p:nvSpPr>
           <p:cNvPr id="2" name="Titel 1">
@@ -8419,19 +8495,6 @@
             </a:pPr>
             <a:endParaRPr lang="de-DE" dirty="0"/>
           </a:p>
-          <a:p>
-            <a:r>
-              <a:rPr lang="de-DE" dirty="0">
-                <a:highlight>
-                  <a:srgbClr val="FFFF00"/>
-                </a:highlight>
-              </a:rPr>
-              <a:t>Bild ersetzten</a:t>
-            </a:r>
-          </a:p>
-          <a:p>
-            <a:endParaRPr lang="de-DE" dirty="0"/>
-          </a:p>
         </p:txBody>
       </p:sp>
       <p:grpSp>
@@ -8448,59 +8511,12 @@
         </p:nvGrpSpPr>
         <p:grpSpPr>
           <a:xfrm>
-            <a:off x="3901392" y="462359"/>
-            <a:ext cx="4852083" cy="2866075"/>
-            <a:chOff x="0" y="189208"/>
-            <a:chExt cx="5667424" cy="3499923"/>
+            <a:off x="7372840" y="2724865"/>
+            <a:ext cx="1380635" cy="281231"/>
+            <a:chOff x="4054788" y="2952082"/>
+            <a:chExt cx="1612636" cy="343427"/>
           </a:xfrm>
         </p:grpSpPr>
-        <p:pic>
-          <p:nvPicPr>
-            <p:cNvPr id="5" name="Grafik 4">
-              <a:extLst>
-                <a:ext uri="{FF2B5EF4-FFF2-40B4-BE49-F238E27FC236}">
-                  <a16:creationId xmlns:a16="http://schemas.microsoft.com/office/drawing/2014/main" id="{F2D57F01-C013-F4EF-2083-3B9C5343D23B}"/>
-                </a:ext>
-              </a:extLst>
-            </p:cNvPr>
-            <p:cNvPicPr>
-              <a:picLocks noChangeAspect="1"/>
-            </p:cNvPicPr>
-            <p:nvPr/>
-          </p:nvPicPr>
-          <p:blipFill rotWithShape="1">
-            <a:blip r:embed="rId2">
-              <a:extLst>
-                <a:ext uri="{28A0092B-C50C-407E-A947-70E740481C1C}">
-                  <a14:useLocalDpi xmlns:a14="http://schemas.microsoft.com/office/drawing/2010/main" val="0"/>
-                </a:ext>
-              </a:extLst>
-            </a:blip>
-            <a:srcRect l="730" t="664" r="1290" b="21539"/>
-            <a:stretch>
-              <a:fillRect/>
-            </a:stretch>
-          </p:blipFill>
-          <p:spPr bwMode="auto">
-            <a:xfrm>
-              <a:off x="0" y="189208"/>
-              <a:ext cx="5353830" cy="3499923"/>
-            </a:xfrm>
-            <a:prstGeom prst="rect">
-              <a:avLst/>
-            </a:prstGeom>
-            <a:ln>
-              <a:solidFill>
-                <a:schemeClr val="tx1"/>
-              </a:solidFill>
-            </a:ln>
-            <a:extLst>
-              <a:ext uri="{53640926-AAD7-44D8-BBD7-CCE9431645EC}">
-                <a14:shadowObscured xmlns:a14="http://schemas.microsoft.com/office/drawing/2010/main"/>
-              </a:ext>
-            </a:extLst>
-          </p:spPr>
-        </p:pic>
         <p:cxnSp>
           <p:nvCxnSpPr>
             <p:cNvPr id="6" name="Gerade Verbindung mit Pfeil 5">
@@ -8803,6 +8819,594 @@
     <p:extLst>
       <p:ext uri="{BB962C8B-B14F-4D97-AF65-F5344CB8AC3E}">
         <p14:creationId xmlns:p14="http://schemas.microsoft.com/office/powerpoint/2010/main" val="1986956692"/>
+      </p:ext>
+    </p:extLst>
+  </p:cSld>
+  <p:clrMapOvr>
+    <a:masterClrMapping/>
+  </p:clrMapOvr>
+</p:sld>
+</file>
+
+<file path=ppt/slides/slide8.xml><?xml version="1.0" encoding="utf-8"?>
+<p:sld xmlns:a="http://schemas.openxmlformats.org/drawingml/2006/main" xmlns:r="http://schemas.openxmlformats.org/officeDocument/2006/relationships" xmlns:p="http://schemas.openxmlformats.org/presentationml/2006/main">
+  <p:cSld>
+    <p:spTree>
+      <p:nvGrpSpPr>
+        <p:cNvPr id="1" name="">
+          <a:extLst>
+            <a:ext uri="{FF2B5EF4-FFF2-40B4-BE49-F238E27FC236}">
+              <a16:creationId xmlns:a16="http://schemas.microsoft.com/office/drawing/2014/main" id="{673885A7-AD55-C089-5896-845CF676916D}"/>
+            </a:ext>
+          </a:extLst>
+        </p:cNvPr>
+        <p:cNvGrpSpPr/>
+        <p:nvPr/>
+      </p:nvGrpSpPr>
+      <p:grpSpPr>
+        <a:xfrm>
+          <a:off x="0" y="0"/>
+          <a:ext cx="0" cy="0"/>
+          <a:chOff x="0" y="0"/>
+          <a:chExt cx="0" cy="0"/>
+        </a:xfrm>
+      </p:grpSpPr>
+      <p:sp>
+        <p:nvSpPr>
+          <p:cNvPr id="2" name="Titel 1">
+            <a:extLst>
+              <a:ext uri="{FF2B5EF4-FFF2-40B4-BE49-F238E27FC236}">
+                <a16:creationId xmlns:a16="http://schemas.microsoft.com/office/drawing/2014/main" id="{B8B0071F-A865-B0E1-4A59-B85E6FAABC8A}"/>
+              </a:ext>
+            </a:extLst>
+          </p:cNvPr>
+          <p:cNvSpPr>
+            <a:spLocks noGrp="1"/>
+          </p:cNvSpPr>
+          <p:nvPr>
+            <p:ph type="title"/>
+          </p:nvPr>
+        </p:nvSpPr>
+        <p:spPr/>
+        <p:txBody>
+          <a:bodyPr/>
+          <a:lstStyle/>
+          <a:p>
+            <a:r>
+              <a:rPr lang="de-DE" dirty="0"/>
+              <a:t>Reflexion</a:t>
+            </a:r>
+          </a:p>
+        </p:txBody>
+      </p:sp>
+      <p:sp>
+        <p:nvSpPr>
+          <p:cNvPr id="3" name="Inhaltsplatzhalter 2">
+            <a:extLst>
+              <a:ext uri="{FF2B5EF4-FFF2-40B4-BE49-F238E27FC236}">
+                <a16:creationId xmlns:a16="http://schemas.microsoft.com/office/drawing/2014/main" id="{EBB65F00-0489-FCF1-43CE-EF44FAACEEEE}"/>
+              </a:ext>
+            </a:extLst>
+          </p:cNvPr>
+          <p:cNvSpPr>
+            <a:spLocks noGrp="1"/>
+          </p:cNvSpPr>
+          <p:nvPr>
+            <p:ph idx="1"/>
+          </p:nvPr>
+        </p:nvSpPr>
+        <p:spPr>
+          <a:xfrm>
+            <a:off x="838201" y="1825625"/>
+            <a:ext cx="5140040" cy="2847975"/>
+          </a:xfrm>
+        </p:spPr>
+        <p:txBody>
+          <a:bodyPr>
+            <a:normAutofit fontScale="77500" lnSpcReduction="20000"/>
+          </a:bodyPr>
+          <a:lstStyle/>
+          <a:p>
+            <a:pPr marL="0" indent="0">
+              <a:buNone/>
+            </a:pPr>
+            <a:r>
+              <a:rPr lang="de-DE" sz="3600" dirty="0"/>
+              <a:t>Positives				       </a:t>
+            </a:r>
+          </a:p>
+          <a:p>
+            <a:pPr marL="0" indent="0">
+              <a:buNone/>
+            </a:pPr>
+            <a:endParaRPr lang="de-DE" sz="3600" dirty="0"/>
+          </a:p>
+          <a:p>
+            <a:r>
+              <a:rPr lang="de-DE" sz="3600" dirty="0"/>
+              <a:t>Gute Zusammenarbeit</a:t>
+            </a:r>
+          </a:p>
+          <a:p>
+            <a:r>
+              <a:rPr lang="de-DE" sz="3600" dirty="0"/>
+              <a:t>Jeder hilft jedem</a:t>
+            </a:r>
+          </a:p>
+          <a:p>
+            <a:r>
+              <a:rPr lang="de-DE" sz="3600" dirty="0"/>
+              <a:t>Regelmäßige Treffen</a:t>
+            </a:r>
+          </a:p>
+          <a:p>
+            <a:r>
+              <a:rPr lang="de-DE" sz="3600" dirty="0"/>
+              <a:t>Themeneinteilung zum Koordinieren</a:t>
+            </a:r>
+          </a:p>
+          <a:p>
+            <a:endParaRPr lang="de-DE" dirty="0"/>
+          </a:p>
+          <a:p>
+            <a:pPr marL="0" indent="0">
+              <a:buNone/>
+            </a:pPr>
+            <a:endParaRPr lang="de-DE" dirty="0"/>
+          </a:p>
+          <a:p>
+            <a:endParaRPr lang="de-DE" dirty="0"/>
+          </a:p>
+        </p:txBody>
+      </p:sp>
+      <p:sp>
+        <p:nvSpPr>
+          <p:cNvPr id="4" name="Inhaltsplatzhalter 2">
+            <a:extLst>
+              <a:ext uri="{FF2B5EF4-FFF2-40B4-BE49-F238E27FC236}">
+                <a16:creationId xmlns:a16="http://schemas.microsoft.com/office/drawing/2014/main" id="{3B242C9B-6401-6187-A068-9A36465DAD91}"/>
+              </a:ext>
+            </a:extLst>
+          </p:cNvPr>
+          <p:cNvSpPr txBox="1">
+            <a:spLocks/>
+          </p:cNvSpPr>
+          <p:nvPr/>
+        </p:nvSpPr>
+        <p:spPr>
+          <a:xfrm>
+            <a:off x="5978240" y="1779445"/>
+            <a:ext cx="6084446" cy="2737139"/>
+          </a:xfrm>
+          <a:prstGeom prst="rect">
+            <a:avLst/>
+          </a:prstGeom>
+        </p:spPr>
+        <p:txBody>
+          <a:bodyPr vert="horz" lIns="91440" tIns="45720" rIns="91440" bIns="45720" rtlCol="0">
+            <a:normAutofit/>
+          </a:bodyPr>
+          <a:lstStyle>
+            <a:lvl1pPr marL="228600" indent="-228600" algn="l" defTabSz="914400" rtl="0" eaLnBrk="1" latinLnBrk="0" hangingPunct="1">
+              <a:lnSpc>
+                <a:spcPct val="90000"/>
+              </a:lnSpc>
+              <a:spcBef>
+                <a:spcPts val="1000"/>
+              </a:spcBef>
+              <a:buFont typeface="Arial" panose="020B0604020202020204" pitchFamily="34" charset="0"/>
+              <a:buChar char="•"/>
+              <a:defRPr sz="2800" kern="1200">
+                <a:solidFill>
+                  <a:schemeClr val="tx1"/>
+                </a:solidFill>
+                <a:latin typeface="+mn-lt"/>
+                <a:ea typeface="+mn-ea"/>
+                <a:cs typeface="+mn-cs"/>
+              </a:defRPr>
+            </a:lvl1pPr>
+            <a:lvl2pPr marL="685800" indent="-228600" algn="l" defTabSz="914400" rtl="0" eaLnBrk="1" latinLnBrk="0" hangingPunct="1">
+              <a:lnSpc>
+                <a:spcPct val="90000"/>
+              </a:lnSpc>
+              <a:spcBef>
+                <a:spcPts val="500"/>
+              </a:spcBef>
+              <a:buFont typeface="Arial" panose="020B0604020202020204" pitchFamily="34" charset="0"/>
+              <a:buChar char="•"/>
+              <a:defRPr sz="2400" kern="1200">
+                <a:solidFill>
+                  <a:schemeClr val="tx1"/>
+                </a:solidFill>
+                <a:latin typeface="+mn-lt"/>
+                <a:ea typeface="+mn-ea"/>
+                <a:cs typeface="+mn-cs"/>
+              </a:defRPr>
+            </a:lvl2pPr>
+            <a:lvl3pPr marL="1143000" indent="-228600" algn="l" defTabSz="914400" rtl="0" eaLnBrk="1" latinLnBrk="0" hangingPunct="1">
+              <a:lnSpc>
+                <a:spcPct val="90000"/>
+              </a:lnSpc>
+              <a:spcBef>
+                <a:spcPts val="500"/>
+              </a:spcBef>
+              <a:buFont typeface="Arial" panose="020B0604020202020204" pitchFamily="34" charset="0"/>
+              <a:buChar char="•"/>
+              <a:defRPr sz="2000" kern="1200">
+                <a:solidFill>
+                  <a:schemeClr val="tx1"/>
+                </a:solidFill>
+                <a:latin typeface="+mn-lt"/>
+                <a:ea typeface="+mn-ea"/>
+                <a:cs typeface="+mn-cs"/>
+              </a:defRPr>
+            </a:lvl3pPr>
+            <a:lvl4pPr marL="1600200" indent="-228600" algn="l" defTabSz="914400" rtl="0" eaLnBrk="1" latinLnBrk="0" hangingPunct="1">
+              <a:lnSpc>
+                <a:spcPct val="90000"/>
+              </a:lnSpc>
+              <a:spcBef>
+                <a:spcPts val="500"/>
+              </a:spcBef>
+              <a:buFont typeface="Arial" panose="020B0604020202020204" pitchFamily="34" charset="0"/>
+              <a:buChar char="•"/>
+              <a:defRPr sz="1800" kern="1200">
+                <a:solidFill>
+                  <a:schemeClr val="tx1"/>
+                </a:solidFill>
+                <a:latin typeface="+mn-lt"/>
+                <a:ea typeface="+mn-ea"/>
+                <a:cs typeface="+mn-cs"/>
+              </a:defRPr>
+            </a:lvl4pPr>
+            <a:lvl5pPr marL="2057400" indent="-228600" algn="l" defTabSz="914400" rtl="0" eaLnBrk="1" latinLnBrk="0" hangingPunct="1">
+              <a:lnSpc>
+                <a:spcPct val="90000"/>
+              </a:lnSpc>
+              <a:spcBef>
+                <a:spcPts val="500"/>
+              </a:spcBef>
+              <a:buFont typeface="Arial" panose="020B0604020202020204" pitchFamily="34" charset="0"/>
+              <a:buChar char="•"/>
+              <a:defRPr sz="1800" kern="1200">
+                <a:solidFill>
+                  <a:schemeClr val="tx1"/>
+                </a:solidFill>
+                <a:latin typeface="+mn-lt"/>
+                <a:ea typeface="+mn-ea"/>
+                <a:cs typeface="+mn-cs"/>
+              </a:defRPr>
+            </a:lvl5pPr>
+            <a:lvl6pPr marL="2514600" indent="-228600" algn="l" defTabSz="914400" rtl="0" eaLnBrk="1" latinLnBrk="0" hangingPunct="1">
+              <a:lnSpc>
+                <a:spcPct val="90000"/>
+              </a:lnSpc>
+              <a:spcBef>
+                <a:spcPts val="500"/>
+              </a:spcBef>
+              <a:buFont typeface="Arial" panose="020B0604020202020204" pitchFamily="34" charset="0"/>
+              <a:buChar char="•"/>
+              <a:defRPr sz="1800" kern="1200">
+                <a:solidFill>
+                  <a:schemeClr val="tx1"/>
+                </a:solidFill>
+                <a:latin typeface="+mn-lt"/>
+                <a:ea typeface="+mn-ea"/>
+                <a:cs typeface="+mn-cs"/>
+              </a:defRPr>
+            </a:lvl6pPr>
+            <a:lvl7pPr marL="2971800" indent="-228600" algn="l" defTabSz="914400" rtl="0" eaLnBrk="1" latinLnBrk="0" hangingPunct="1">
+              <a:lnSpc>
+                <a:spcPct val="90000"/>
+              </a:lnSpc>
+              <a:spcBef>
+                <a:spcPts val="500"/>
+              </a:spcBef>
+              <a:buFont typeface="Arial" panose="020B0604020202020204" pitchFamily="34" charset="0"/>
+              <a:buChar char="•"/>
+              <a:defRPr sz="1800" kern="1200">
+                <a:solidFill>
+                  <a:schemeClr val="tx1"/>
+                </a:solidFill>
+                <a:latin typeface="+mn-lt"/>
+                <a:ea typeface="+mn-ea"/>
+                <a:cs typeface="+mn-cs"/>
+              </a:defRPr>
+            </a:lvl7pPr>
+            <a:lvl8pPr marL="3429000" indent="-228600" algn="l" defTabSz="914400" rtl="0" eaLnBrk="1" latinLnBrk="0" hangingPunct="1">
+              <a:lnSpc>
+                <a:spcPct val="90000"/>
+              </a:lnSpc>
+              <a:spcBef>
+                <a:spcPts val="500"/>
+              </a:spcBef>
+              <a:buFont typeface="Arial" panose="020B0604020202020204" pitchFamily="34" charset="0"/>
+              <a:buChar char="•"/>
+              <a:defRPr sz="1800" kern="1200">
+                <a:solidFill>
+                  <a:schemeClr val="tx1"/>
+                </a:solidFill>
+                <a:latin typeface="+mn-lt"/>
+                <a:ea typeface="+mn-ea"/>
+                <a:cs typeface="+mn-cs"/>
+              </a:defRPr>
+            </a:lvl8pPr>
+            <a:lvl9pPr marL="3886200" indent="-228600" algn="l" defTabSz="914400" rtl="0" eaLnBrk="1" latinLnBrk="0" hangingPunct="1">
+              <a:lnSpc>
+                <a:spcPct val="90000"/>
+              </a:lnSpc>
+              <a:spcBef>
+                <a:spcPts val="500"/>
+              </a:spcBef>
+              <a:buFont typeface="Arial" panose="020B0604020202020204" pitchFamily="34" charset="0"/>
+              <a:buChar char="•"/>
+              <a:defRPr sz="1800" kern="1200">
+                <a:solidFill>
+                  <a:schemeClr val="tx1"/>
+                </a:solidFill>
+                <a:latin typeface="+mn-lt"/>
+                <a:ea typeface="+mn-ea"/>
+                <a:cs typeface="+mn-cs"/>
+              </a:defRPr>
+            </a:lvl9pPr>
+          </a:lstStyle>
+          <a:p>
+            <a:pPr marL="0" indent="0">
+              <a:buFont typeface="Arial" panose="020B0604020202020204" pitchFamily="34" charset="0"/>
+              <a:buNone/>
+            </a:pPr>
+            <a:r>
+              <a:rPr lang="de-DE" dirty="0"/>
+              <a:t>Verbesserungswürdig</a:t>
+            </a:r>
+          </a:p>
+          <a:p>
+            <a:pPr marL="0" indent="0">
+              <a:buFont typeface="Arial" panose="020B0604020202020204" pitchFamily="34" charset="0"/>
+              <a:buNone/>
+            </a:pPr>
+            <a:endParaRPr lang="de-DE" dirty="0"/>
+          </a:p>
+          <a:p>
+            <a:r>
+              <a:rPr lang="de-DE" dirty="0"/>
+              <a:t>Zeitplanung optimieren		</a:t>
+            </a:r>
+          </a:p>
+          <a:p>
+            <a:r>
+              <a:rPr lang="de-DE" dirty="0"/>
+              <a:t>Kleine Missverständnisse vermeiden</a:t>
+            </a:r>
+          </a:p>
+          <a:p>
+            <a:endParaRPr lang="de-DE" dirty="0"/>
+          </a:p>
+          <a:p>
+            <a:endParaRPr lang="de-DE" dirty="0"/>
+          </a:p>
+          <a:p>
+            <a:endParaRPr lang="de-DE" dirty="0"/>
+          </a:p>
+        </p:txBody>
+      </p:sp>
+      <p:sp>
+        <p:nvSpPr>
+          <p:cNvPr id="5" name="Inhaltsplatzhalter 2">
+            <a:extLst>
+              <a:ext uri="{FF2B5EF4-FFF2-40B4-BE49-F238E27FC236}">
+                <a16:creationId xmlns:a16="http://schemas.microsoft.com/office/drawing/2014/main" id="{00C50147-1A67-D6B6-4B0E-146B13741C21}"/>
+              </a:ext>
+            </a:extLst>
+          </p:cNvPr>
+          <p:cNvSpPr txBox="1">
+            <a:spLocks/>
+          </p:cNvSpPr>
+          <p:nvPr/>
+        </p:nvSpPr>
+        <p:spPr>
+          <a:xfrm>
+            <a:off x="1025237" y="4792373"/>
+            <a:ext cx="10021454" cy="878754"/>
+          </a:xfrm>
+          <a:prstGeom prst="rect">
+            <a:avLst/>
+          </a:prstGeom>
+        </p:spPr>
+        <p:txBody>
+          <a:bodyPr vert="horz" lIns="91440" tIns="45720" rIns="91440" bIns="45720" rtlCol="0">
+            <a:normAutofit fontScale="25000" lnSpcReduction="20000"/>
+          </a:bodyPr>
+          <a:lstStyle>
+            <a:lvl1pPr marL="228600" indent="-228600" algn="l" defTabSz="914400" rtl="0" eaLnBrk="1" latinLnBrk="0" hangingPunct="1">
+              <a:lnSpc>
+                <a:spcPct val="90000"/>
+              </a:lnSpc>
+              <a:spcBef>
+                <a:spcPts val="1000"/>
+              </a:spcBef>
+              <a:buFont typeface="Arial" panose="020B0604020202020204" pitchFamily="34" charset="0"/>
+              <a:buChar char="•"/>
+              <a:defRPr sz="2800" kern="1200">
+                <a:solidFill>
+                  <a:schemeClr val="tx1"/>
+                </a:solidFill>
+                <a:latin typeface="+mn-lt"/>
+                <a:ea typeface="+mn-ea"/>
+                <a:cs typeface="+mn-cs"/>
+              </a:defRPr>
+            </a:lvl1pPr>
+            <a:lvl2pPr marL="685800" indent="-228600" algn="l" defTabSz="914400" rtl="0" eaLnBrk="1" latinLnBrk="0" hangingPunct="1">
+              <a:lnSpc>
+                <a:spcPct val="90000"/>
+              </a:lnSpc>
+              <a:spcBef>
+                <a:spcPts val="500"/>
+              </a:spcBef>
+              <a:buFont typeface="Arial" panose="020B0604020202020204" pitchFamily="34" charset="0"/>
+              <a:buChar char="•"/>
+              <a:defRPr sz="2400" kern="1200">
+                <a:solidFill>
+                  <a:schemeClr val="tx1"/>
+                </a:solidFill>
+                <a:latin typeface="+mn-lt"/>
+                <a:ea typeface="+mn-ea"/>
+                <a:cs typeface="+mn-cs"/>
+              </a:defRPr>
+            </a:lvl2pPr>
+            <a:lvl3pPr marL="1143000" indent="-228600" algn="l" defTabSz="914400" rtl="0" eaLnBrk="1" latinLnBrk="0" hangingPunct="1">
+              <a:lnSpc>
+                <a:spcPct val="90000"/>
+              </a:lnSpc>
+              <a:spcBef>
+                <a:spcPts val="500"/>
+              </a:spcBef>
+              <a:buFont typeface="Arial" panose="020B0604020202020204" pitchFamily="34" charset="0"/>
+              <a:buChar char="•"/>
+              <a:defRPr sz="2000" kern="1200">
+                <a:solidFill>
+                  <a:schemeClr val="tx1"/>
+                </a:solidFill>
+                <a:latin typeface="+mn-lt"/>
+                <a:ea typeface="+mn-ea"/>
+                <a:cs typeface="+mn-cs"/>
+              </a:defRPr>
+            </a:lvl3pPr>
+            <a:lvl4pPr marL="1600200" indent="-228600" algn="l" defTabSz="914400" rtl="0" eaLnBrk="1" latinLnBrk="0" hangingPunct="1">
+              <a:lnSpc>
+                <a:spcPct val="90000"/>
+              </a:lnSpc>
+              <a:spcBef>
+                <a:spcPts val="500"/>
+              </a:spcBef>
+              <a:buFont typeface="Arial" panose="020B0604020202020204" pitchFamily="34" charset="0"/>
+              <a:buChar char="•"/>
+              <a:defRPr sz="1800" kern="1200">
+                <a:solidFill>
+                  <a:schemeClr val="tx1"/>
+                </a:solidFill>
+                <a:latin typeface="+mn-lt"/>
+                <a:ea typeface="+mn-ea"/>
+                <a:cs typeface="+mn-cs"/>
+              </a:defRPr>
+            </a:lvl4pPr>
+            <a:lvl5pPr marL="2057400" indent="-228600" algn="l" defTabSz="914400" rtl="0" eaLnBrk="1" latinLnBrk="0" hangingPunct="1">
+              <a:lnSpc>
+                <a:spcPct val="90000"/>
+              </a:lnSpc>
+              <a:spcBef>
+                <a:spcPts val="500"/>
+              </a:spcBef>
+              <a:buFont typeface="Arial" panose="020B0604020202020204" pitchFamily="34" charset="0"/>
+              <a:buChar char="•"/>
+              <a:defRPr sz="1800" kern="1200">
+                <a:solidFill>
+                  <a:schemeClr val="tx1"/>
+                </a:solidFill>
+                <a:latin typeface="+mn-lt"/>
+                <a:ea typeface="+mn-ea"/>
+                <a:cs typeface="+mn-cs"/>
+              </a:defRPr>
+            </a:lvl5pPr>
+            <a:lvl6pPr marL="2514600" indent="-228600" algn="l" defTabSz="914400" rtl="0" eaLnBrk="1" latinLnBrk="0" hangingPunct="1">
+              <a:lnSpc>
+                <a:spcPct val="90000"/>
+              </a:lnSpc>
+              <a:spcBef>
+                <a:spcPts val="500"/>
+              </a:spcBef>
+              <a:buFont typeface="Arial" panose="020B0604020202020204" pitchFamily="34" charset="0"/>
+              <a:buChar char="•"/>
+              <a:defRPr sz="1800" kern="1200">
+                <a:solidFill>
+                  <a:schemeClr val="tx1"/>
+                </a:solidFill>
+                <a:latin typeface="+mn-lt"/>
+                <a:ea typeface="+mn-ea"/>
+                <a:cs typeface="+mn-cs"/>
+              </a:defRPr>
+            </a:lvl6pPr>
+            <a:lvl7pPr marL="2971800" indent="-228600" algn="l" defTabSz="914400" rtl="0" eaLnBrk="1" latinLnBrk="0" hangingPunct="1">
+              <a:lnSpc>
+                <a:spcPct val="90000"/>
+              </a:lnSpc>
+              <a:spcBef>
+                <a:spcPts val="500"/>
+              </a:spcBef>
+              <a:buFont typeface="Arial" panose="020B0604020202020204" pitchFamily="34" charset="0"/>
+              <a:buChar char="•"/>
+              <a:defRPr sz="1800" kern="1200">
+                <a:solidFill>
+                  <a:schemeClr val="tx1"/>
+                </a:solidFill>
+                <a:latin typeface="+mn-lt"/>
+                <a:ea typeface="+mn-ea"/>
+                <a:cs typeface="+mn-cs"/>
+              </a:defRPr>
+            </a:lvl7pPr>
+            <a:lvl8pPr marL="3429000" indent="-228600" algn="l" defTabSz="914400" rtl="0" eaLnBrk="1" latinLnBrk="0" hangingPunct="1">
+              <a:lnSpc>
+                <a:spcPct val="90000"/>
+              </a:lnSpc>
+              <a:spcBef>
+                <a:spcPts val="500"/>
+              </a:spcBef>
+              <a:buFont typeface="Arial" panose="020B0604020202020204" pitchFamily="34" charset="0"/>
+              <a:buChar char="•"/>
+              <a:defRPr sz="1800" kern="1200">
+                <a:solidFill>
+                  <a:schemeClr val="tx1"/>
+                </a:solidFill>
+                <a:latin typeface="+mn-lt"/>
+                <a:ea typeface="+mn-ea"/>
+                <a:cs typeface="+mn-cs"/>
+              </a:defRPr>
+            </a:lvl8pPr>
+            <a:lvl9pPr marL="3886200" indent="-228600" algn="l" defTabSz="914400" rtl="0" eaLnBrk="1" latinLnBrk="0" hangingPunct="1">
+              <a:lnSpc>
+                <a:spcPct val="90000"/>
+              </a:lnSpc>
+              <a:spcBef>
+                <a:spcPts val="500"/>
+              </a:spcBef>
+              <a:buFont typeface="Arial" panose="020B0604020202020204" pitchFamily="34" charset="0"/>
+              <a:buChar char="•"/>
+              <a:defRPr sz="1800" kern="1200">
+                <a:solidFill>
+                  <a:schemeClr val="tx1"/>
+                </a:solidFill>
+                <a:latin typeface="+mn-lt"/>
+                <a:ea typeface="+mn-ea"/>
+                <a:cs typeface="+mn-cs"/>
+              </a:defRPr>
+            </a:lvl9pPr>
+          </a:lstStyle>
+          <a:p>
+            <a:pPr algn="ctr"/>
+            <a:endParaRPr lang="de-DE" dirty="0"/>
+          </a:p>
+          <a:p>
+            <a:pPr marL="0" indent="0" algn="ctr">
+              <a:buFont typeface="Arial" panose="020B0604020202020204" pitchFamily="34" charset="0"/>
+              <a:buNone/>
+            </a:pPr>
+            <a:endParaRPr lang="de-DE" dirty="0"/>
+          </a:p>
+          <a:p>
+            <a:pPr marL="0" indent="0" algn="ctr">
+              <a:buNone/>
+            </a:pPr>
+            <a:r>
+              <a:rPr lang="de-DE" sz="11200" dirty="0"/>
+              <a:t>-&gt; Vollfunktionsfähiges Filmeempfehlungssystem</a:t>
+            </a:r>
+          </a:p>
+        </p:txBody>
+      </p:sp>
+    </p:spTree>
+    <p:extLst>
+      <p:ext uri="{BB962C8B-B14F-4D97-AF65-F5344CB8AC3E}">
+        <p14:creationId xmlns:p14="http://schemas.microsoft.com/office/powerpoint/2010/main" val="1580928431"/>
       </p:ext>
     </p:extLst>
   </p:cSld>

--- a/Dokumentation/Folien Carina.pptx
+++ b/Dokumentation/Folien Carina.pptx
@@ -7472,7 +7472,7 @@
           <a:p>
             <a:r>
               <a:rPr lang="de-DE" dirty="0"/>
-              <a:t>MVC auf unseren Code</a:t>
+              <a:t>MVC bei unserem Code</a:t>
             </a:r>
           </a:p>
         </p:txBody>
@@ -7723,7 +7723,7 @@
           <a:p>
             <a:r>
               <a:rPr lang="de-DE" dirty="0"/>
-              <a:t>MVC auf unseren Code</a:t>
+              <a:t>MVC bei unserem Code</a:t>
             </a:r>
           </a:p>
         </p:txBody>
@@ -8000,7 +8000,7 @@
           <a:p>
             <a:r>
               <a:rPr lang="de-DE" dirty="0"/>
-              <a:t>MVC auf unseren Code</a:t>
+              <a:t>MVC bei unserem Code</a:t>
             </a:r>
           </a:p>
         </p:txBody>
@@ -8239,9 +8239,10 @@
           <a:lstStyle/>
           <a:p>
             <a:r>
-              <a:rPr lang="de-DE" dirty="0"/>
-              <a:t>Bugs und Herausforderungen</a:t>
-            </a:r>
+              <a:rPr lang="de-DE"/>
+              <a:t>Bugs</a:t>
+            </a:r>
+            <a:endParaRPr lang="de-DE" dirty="0"/>
           </a:p>
         </p:txBody>
       </p:sp>

--- a/Dokumentation/Folien Carina.pptx
+++ b/Dokumentation/Folien Carina.pptx
@@ -7521,112 +7521,133 @@
           </a:p>
         </p:txBody>
       </p:sp>
-      <p:pic>
-        <p:nvPicPr>
-          <p:cNvPr id="5" name="Grafik 4" descr="Ein Bild, das Text, Screenshot, Diagramm, Plan enthält.&#10;&#10;KI-generierte Inhalte können fehlerhaft sein.">
-            <a:extLst>
-              <a:ext uri="{FF2B5EF4-FFF2-40B4-BE49-F238E27FC236}">
-                <a16:creationId xmlns:a16="http://schemas.microsoft.com/office/drawing/2014/main" id="{C9404939-0045-2C5C-AD27-FFA035619A90}"/>
-              </a:ext>
-            </a:extLst>
-          </p:cNvPr>
-          <p:cNvPicPr>
-            <a:picLocks noChangeAspect="1"/>
-          </p:cNvPicPr>
+      <p:grpSp>
+        <p:nvGrpSpPr>
+          <p:cNvPr id="6" name="Gruppieren 5">
+            <a:extLst>
+              <a:ext uri="{FF2B5EF4-FFF2-40B4-BE49-F238E27FC236}">
+                <a16:creationId xmlns:a16="http://schemas.microsoft.com/office/drawing/2014/main" id="{E953F02D-12D2-FBFF-98B5-B8045C2A14FA}"/>
+              </a:ext>
+            </a:extLst>
+          </p:cNvPr>
+          <p:cNvGrpSpPr/>
           <p:nvPr/>
-        </p:nvPicPr>
-        <p:blipFill>
-          <a:blip r:embed="rId2">
-            <a:extLst>
-              <a:ext uri="{28A0092B-C50C-407E-A947-70E740481C1C}">
-                <a14:useLocalDpi xmlns:a14="http://schemas.microsoft.com/office/drawing/2010/main" val="0"/>
-              </a:ext>
-            </a:extLst>
-          </a:blip>
-          <a:stretch>
-            <a:fillRect/>
-          </a:stretch>
-        </p:blipFill>
-        <p:spPr>
+        </p:nvGrpSpPr>
+        <p:grpSpPr>
           <a:xfrm>
             <a:off x="515802" y="1274016"/>
-            <a:ext cx="7099648" cy="4875730"/>
+            <a:ext cx="10963184" cy="4875730"/>
+            <a:chOff x="515802" y="1274016"/>
+            <a:chExt cx="10963184" cy="4875730"/>
           </a:xfrm>
-          <a:prstGeom prst="rect">
-            <a:avLst/>
-          </a:prstGeom>
-        </p:spPr>
-      </p:pic>
-      <p:pic>
-        <p:nvPicPr>
-          <p:cNvPr id="9" name="Grafik 8">
-            <a:extLst>
-              <a:ext uri="{FF2B5EF4-FFF2-40B4-BE49-F238E27FC236}">
-                <a16:creationId xmlns:a16="http://schemas.microsoft.com/office/drawing/2014/main" id="{1EE70146-BEA6-C5E4-A97E-8418613233CB}"/>
-              </a:ext>
-            </a:extLst>
-          </p:cNvPr>
-          <p:cNvPicPr>
-            <a:picLocks noChangeAspect="1"/>
-          </p:cNvPicPr>
-          <p:nvPr/>
-        </p:nvPicPr>
-        <p:blipFill>
-          <a:blip r:embed="rId3"/>
-          <a:srcRect l="38467" r="38933"/>
-          <a:stretch>
-            <a:fillRect/>
-          </a:stretch>
-        </p:blipFill>
-        <p:spPr>
-          <a:xfrm>
-            <a:off x="8686800" y="2531962"/>
-            <a:ext cx="2792186" cy="2808397"/>
-          </a:xfrm>
-          <a:prstGeom prst="rect">
-            <a:avLst/>
-          </a:prstGeom>
-        </p:spPr>
-      </p:pic>
-      <p:sp>
-        <p:nvSpPr>
-          <p:cNvPr id="4" name="Textfeld 3">
-            <a:extLst>
-              <a:ext uri="{FF2B5EF4-FFF2-40B4-BE49-F238E27FC236}">
-                <a16:creationId xmlns:a16="http://schemas.microsoft.com/office/drawing/2014/main" id="{9489C2AE-CCAA-B428-EA22-5F9040AD1CBF}"/>
-              </a:ext>
-            </a:extLst>
-          </p:cNvPr>
-          <p:cNvSpPr txBox="1"/>
-          <p:nvPr/>
-        </p:nvSpPr>
-        <p:spPr>
-          <a:xfrm>
-            <a:off x="8686800" y="2049905"/>
-            <a:ext cx="2329133" cy="523220"/>
-          </a:xfrm>
-          <a:prstGeom prst="rect">
-            <a:avLst/>
-          </a:prstGeom>
-          <a:noFill/>
-        </p:spPr>
-        <p:txBody>
-          <a:bodyPr wrap="square" rtlCol="0">
-            <a:spAutoFit/>
-          </a:bodyPr>
-          <a:lstStyle/>
-          <a:p>
-            <a:r>
-              <a:rPr lang="de-DE" sz="2800" dirty="0" err="1"/>
-              <a:t>Tkinter</a:t>
-            </a:r>
-            <a:r>
-              <a:rPr lang="de-DE" sz="2800" dirty="0"/>
-              <a:t>:</a:t>
-            </a:r>
-          </a:p>
-        </p:txBody>
-      </p:sp>
+        </p:grpSpPr>
+        <p:pic>
+          <p:nvPicPr>
+            <p:cNvPr id="5" name="Grafik 4" descr="Ein Bild, das Text, Screenshot, Diagramm, Plan enthält.&#10;&#10;KI-generierte Inhalte können fehlerhaft sein.">
+              <a:extLst>
+                <a:ext uri="{FF2B5EF4-FFF2-40B4-BE49-F238E27FC236}">
+                  <a16:creationId xmlns:a16="http://schemas.microsoft.com/office/drawing/2014/main" id="{C9404939-0045-2C5C-AD27-FFA035619A90}"/>
+                </a:ext>
+              </a:extLst>
+            </p:cNvPr>
+            <p:cNvPicPr>
+              <a:picLocks noChangeAspect="1"/>
+            </p:cNvPicPr>
+            <p:nvPr/>
+          </p:nvPicPr>
+          <p:blipFill>
+            <a:blip r:embed="rId2">
+              <a:extLst>
+                <a:ext uri="{28A0092B-C50C-407E-A947-70E740481C1C}">
+                  <a14:useLocalDpi xmlns:a14="http://schemas.microsoft.com/office/drawing/2010/main" val="0"/>
+                </a:ext>
+              </a:extLst>
+            </a:blip>
+            <a:stretch>
+              <a:fillRect/>
+            </a:stretch>
+          </p:blipFill>
+          <p:spPr>
+            <a:xfrm>
+              <a:off x="515802" y="1274016"/>
+              <a:ext cx="7099648" cy="4875730"/>
+            </a:xfrm>
+            <a:prstGeom prst="rect">
+              <a:avLst/>
+            </a:prstGeom>
+          </p:spPr>
+        </p:pic>
+        <p:pic>
+          <p:nvPicPr>
+            <p:cNvPr id="9" name="Grafik 8">
+              <a:extLst>
+                <a:ext uri="{FF2B5EF4-FFF2-40B4-BE49-F238E27FC236}">
+                  <a16:creationId xmlns:a16="http://schemas.microsoft.com/office/drawing/2014/main" id="{1EE70146-BEA6-C5E4-A97E-8418613233CB}"/>
+                </a:ext>
+              </a:extLst>
+            </p:cNvPr>
+            <p:cNvPicPr>
+              <a:picLocks noChangeAspect="1"/>
+            </p:cNvPicPr>
+            <p:nvPr/>
+          </p:nvPicPr>
+          <p:blipFill>
+            <a:blip r:embed="rId3"/>
+            <a:srcRect l="38467" r="38933"/>
+            <a:stretch>
+              <a:fillRect/>
+            </a:stretch>
+          </p:blipFill>
+          <p:spPr>
+            <a:xfrm>
+              <a:off x="8686800" y="2531962"/>
+              <a:ext cx="2792186" cy="2808397"/>
+            </a:xfrm>
+            <a:prstGeom prst="rect">
+              <a:avLst/>
+            </a:prstGeom>
+          </p:spPr>
+        </p:pic>
+        <p:sp>
+          <p:nvSpPr>
+            <p:cNvPr id="4" name="Textfeld 3">
+              <a:extLst>
+                <a:ext uri="{FF2B5EF4-FFF2-40B4-BE49-F238E27FC236}">
+                  <a16:creationId xmlns:a16="http://schemas.microsoft.com/office/drawing/2014/main" id="{9489C2AE-CCAA-B428-EA22-5F9040AD1CBF}"/>
+                </a:ext>
+              </a:extLst>
+            </p:cNvPr>
+            <p:cNvSpPr txBox="1"/>
+            <p:nvPr/>
+          </p:nvSpPr>
+          <p:spPr>
+            <a:xfrm>
+              <a:off x="8686800" y="2049905"/>
+              <a:ext cx="2329133" cy="523220"/>
+            </a:xfrm>
+            <a:prstGeom prst="rect">
+              <a:avLst/>
+            </a:prstGeom>
+            <a:noFill/>
+          </p:spPr>
+          <p:txBody>
+            <a:bodyPr wrap="square" rtlCol="0">
+              <a:spAutoFit/>
+            </a:bodyPr>
+            <a:lstStyle/>
+            <a:p>
+              <a:r>
+                <a:rPr lang="de-DE" sz="2800" dirty="0" err="1"/>
+                <a:t>Tkinter</a:t>
+              </a:r>
+              <a:r>
+                <a:rPr lang="de-DE" sz="2800" dirty="0"/>
+                <a:t>:</a:t>
+              </a:r>
+            </a:p>
+          </p:txBody>
+        </p:sp>
+      </p:grpSp>
     </p:spTree>
     <p:extLst>
       <p:ext uri="{BB962C8B-B14F-4D97-AF65-F5344CB8AC3E}">
@@ -7663,43 +7684,6 @@
           <a:chExt cx="0" cy="0"/>
         </a:xfrm>
       </p:grpSpPr>
-      <p:pic>
-        <p:nvPicPr>
-          <p:cNvPr id="7" name="Grafik 6" descr="Ein Bild, das Text, Screenshot, Diagramm, Plan enthält.&#10;&#10;KI-generierte Inhalte können fehlerhaft sein.">
-            <a:extLst>
-              <a:ext uri="{FF2B5EF4-FFF2-40B4-BE49-F238E27FC236}">
-                <a16:creationId xmlns:a16="http://schemas.microsoft.com/office/drawing/2014/main" id="{EC9AA3AD-20E6-BFAA-F493-40A5DDC17447}"/>
-              </a:ext>
-            </a:extLst>
-          </p:cNvPr>
-          <p:cNvPicPr>
-            <a:picLocks noChangeAspect="1"/>
-          </p:cNvPicPr>
-          <p:nvPr/>
-        </p:nvPicPr>
-        <p:blipFill>
-          <a:blip r:embed="rId2">
-            <a:extLst>
-              <a:ext uri="{28A0092B-C50C-407E-A947-70E740481C1C}">
-                <a14:useLocalDpi xmlns:a14="http://schemas.microsoft.com/office/drawing/2010/main" val="0"/>
-              </a:ext>
-            </a:extLst>
-          </a:blip>
-          <a:srcRect b="43567"/>
-          <a:stretch>
-            <a:fillRect/>
-          </a:stretch>
-        </p:blipFill>
-        <p:spPr>
-          <a:xfrm>
-            <a:off x="2045096" y="2139236"/>
-            <a:ext cx="9746008" cy="3777150"/>
-          </a:xfrm>
-          <a:prstGeom prst="rect">
-            <a:avLst/>
-          </a:prstGeom>
-        </p:spPr>
-      </p:pic>
       <p:sp>
         <p:nvSpPr>
           <p:cNvPr id="2" name="Titel 1">
@@ -7772,138 +7756,196 @@
           </a:p>
         </p:txBody>
       </p:sp>
-      <p:pic>
-        <p:nvPicPr>
-          <p:cNvPr id="5" name="Grafik 4" descr="Ein Bild, das Text, Screenshot, Diagramm, Plan enthält.&#10;&#10;KI-generierte Inhalte können fehlerhaft sein.">
-            <a:extLst>
-              <a:ext uri="{FF2B5EF4-FFF2-40B4-BE49-F238E27FC236}">
-                <a16:creationId xmlns:a16="http://schemas.microsoft.com/office/drawing/2014/main" id="{EE4BFECB-9861-5C6E-40FC-FEBC219A8A3B}"/>
-              </a:ext>
-            </a:extLst>
-          </p:cNvPr>
-          <p:cNvPicPr>
-            <a:picLocks noChangeAspect="1"/>
-          </p:cNvPicPr>
+      <p:grpSp>
+        <p:nvGrpSpPr>
+          <p:cNvPr id="6" name="Gruppieren 5">
+            <a:extLst>
+              <a:ext uri="{FF2B5EF4-FFF2-40B4-BE49-F238E27FC236}">
+                <a16:creationId xmlns:a16="http://schemas.microsoft.com/office/drawing/2014/main" id="{559227CE-3C12-57D5-47EC-D4C902277109}"/>
+              </a:ext>
+            </a:extLst>
+          </p:cNvPr>
+          <p:cNvGrpSpPr/>
           <p:nvPr/>
-        </p:nvPicPr>
-        <p:blipFill>
-          <a:blip r:embed="rId2">
-            <a:extLst>
-              <a:ext uri="{28A0092B-C50C-407E-A947-70E740481C1C}">
-                <a14:useLocalDpi xmlns:a14="http://schemas.microsoft.com/office/drawing/2010/main" val="0"/>
-              </a:ext>
-            </a:extLst>
-          </a:blip>
-          <a:stretch>
-            <a:fillRect/>
-          </a:stretch>
-        </p:blipFill>
-        <p:spPr>
-          <a:xfrm>
-            <a:off x="515802" y="1274016"/>
-            <a:ext cx="2519730" cy="1730441"/>
-          </a:xfrm>
-          <a:prstGeom prst="rect">
-            <a:avLst/>
-          </a:prstGeom>
-        </p:spPr>
-      </p:pic>
-      <p:sp>
-        <p:nvSpPr>
-          <p:cNvPr id="4" name="Ellipse 3">
-            <a:extLst>
-              <a:ext uri="{FF2B5EF4-FFF2-40B4-BE49-F238E27FC236}">
-                <a16:creationId xmlns:a16="http://schemas.microsoft.com/office/drawing/2014/main" id="{F4BA54B0-ECB3-FC3A-3EBC-A1CF40C8FAA1}"/>
-              </a:ext>
-            </a:extLst>
-          </p:cNvPr>
-          <p:cNvSpPr/>
-          <p:nvPr/>
-        </p:nvSpPr>
-        <p:spPr>
+        </p:nvGrpSpPr>
+        <p:grpSpPr>
           <a:xfrm>
             <a:off x="391886" y="1274016"/>
-            <a:ext cx="2857500" cy="968441"/>
+            <a:ext cx="11399218" cy="4642370"/>
+            <a:chOff x="391886" y="1274016"/>
+            <a:chExt cx="11399218" cy="4642370"/>
           </a:xfrm>
-          <a:prstGeom prst="ellipse">
-            <a:avLst/>
-          </a:prstGeom>
-          <a:noFill/>
-          <a:ln>
-            <a:solidFill>
+        </p:grpSpPr>
+        <p:pic>
+          <p:nvPicPr>
+            <p:cNvPr id="7" name="Grafik 6" descr="Ein Bild, das Text, Screenshot, Diagramm, Plan enthält.&#10;&#10;KI-generierte Inhalte können fehlerhaft sein.">
+              <a:extLst>
+                <a:ext uri="{FF2B5EF4-FFF2-40B4-BE49-F238E27FC236}">
+                  <a16:creationId xmlns:a16="http://schemas.microsoft.com/office/drawing/2014/main" id="{EC9AA3AD-20E6-BFAA-F493-40A5DDC17447}"/>
+                </a:ext>
+              </a:extLst>
+            </p:cNvPr>
+            <p:cNvPicPr>
+              <a:picLocks noChangeAspect="1"/>
+            </p:cNvPicPr>
+            <p:nvPr/>
+          </p:nvPicPr>
+          <p:blipFill>
+            <a:blip r:embed="rId2">
+              <a:extLst>
+                <a:ext uri="{28A0092B-C50C-407E-A947-70E740481C1C}">
+                  <a14:useLocalDpi xmlns:a14="http://schemas.microsoft.com/office/drawing/2010/main" val="0"/>
+                </a:ext>
+              </a:extLst>
+            </a:blip>
+            <a:srcRect b="43567"/>
+            <a:stretch>
+              <a:fillRect/>
+            </a:stretch>
+          </p:blipFill>
+          <p:spPr>
+            <a:xfrm>
+              <a:off x="2045096" y="2139236"/>
+              <a:ext cx="9746008" cy="3777150"/>
+            </a:xfrm>
+            <a:prstGeom prst="rect">
+              <a:avLst/>
+            </a:prstGeom>
+          </p:spPr>
+        </p:pic>
+        <p:pic>
+          <p:nvPicPr>
+            <p:cNvPr id="5" name="Grafik 4" descr="Ein Bild, das Text, Screenshot, Diagramm, Plan enthält.&#10;&#10;KI-generierte Inhalte können fehlerhaft sein.">
+              <a:extLst>
+                <a:ext uri="{FF2B5EF4-FFF2-40B4-BE49-F238E27FC236}">
+                  <a16:creationId xmlns:a16="http://schemas.microsoft.com/office/drawing/2014/main" id="{EE4BFECB-9861-5C6E-40FC-FEBC219A8A3B}"/>
+                </a:ext>
+              </a:extLst>
+            </p:cNvPr>
+            <p:cNvPicPr>
+              <a:picLocks noChangeAspect="1"/>
+            </p:cNvPicPr>
+            <p:nvPr/>
+          </p:nvPicPr>
+          <p:blipFill>
+            <a:blip r:embed="rId2">
+              <a:extLst>
+                <a:ext uri="{28A0092B-C50C-407E-A947-70E740481C1C}">
+                  <a14:useLocalDpi xmlns:a14="http://schemas.microsoft.com/office/drawing/2010/main" val="0"/>
+                </a:ext>
+              </a:extLst>
+            </a:blip>
+            <a:stretch>
+              <a:fillRect/>
+            </a:stretch>
+          </p:blipFill>
+          <p:spPr>
+            <a:xfrm>
+              <a:off x="515802" y="1274016"/>
+              <a:ext cx="2519730" cy="1730441"/>
+            </a:xfrm>
+            <a:prstGeom prst="rect">
+              <a:avLst/>
+            </a:prstGeom>
+          </p:spPr>
+        </p:pic>
+        <p:sp>
+          <p:nvSpPr>
+            <p:cNvPr id="4" name="Ellipse 3">
+              <a:extLst>
+                <a:ext uri="{FF2B5EF4-FFF2-40B4-BE49-F238E27FC236}">
+                  <a16:creationId xmlns:a16="http://schemas.microsoft.com/office/drawing/2014/main" id="{F4BA54B0-ECB3-FC3A-3EBC-A1CF40C8FAA1}"/>
+                </a:ext>
+              </a:extLst>
+            </p:cNvPr>
+            <p:cNvSpPr/>
+            <p:nvPr/>
+          </p:nvSpPr>
+          <p:spPr>
+            <a:xfrm>
+              <a:off x="391886" y="1274016"/>
+              <a:ext cx="2857500" cy="968441"/>
+            </a:xfrm>
+            <a:prstGeom prst="ellipse">
+              <a:avLst/>
+            </a:prstGeom>
+            <a:noFill/>
+            <a:ln>
+              <a:solidFill>
+                <a:schemeClr val="tx1"/>
+              </a:solidFill>
+            </a:ln>
+          </p:spPr>
+          <p:style>
+            <a:lnRef idx="2">
+              <a:schemeClr val="accent1">
+                <a:shade val="15000"/>
+              </a:schemeClr>
+            </a:lnRef>
+            <a:fillRef idx="1">
+              <a:schemeClr val="accent1"/>
+            </a:fillRef>
+            <a:effectRef idx="0">
+              <a:schemeClr val="accent1"/>
+            </a:effectRef>
+            <a:fontRef idx="minor">
+              <a:schemeClr val="lt1"/>
+            </a:fontRef>
+          </p:style>
+          <p:txBody>
+            <a:bodyPr rtlCol="0" anchor="ctr"/>
+            <a:lstStyle/>
+            <a:p>
+              <a:pPr algn="ctr"/>
+              <a:endParaRPr lang="de-DE"/>
+            </a:p>
+          </p:txBody>
+        </p:sp>
+        <p:cxnSp>
+          <p:nvCxnSpPr>
+            <p:cNvPr id="10" name="Gerade Verbindung mit Pfeil 9">
+              <a:extLst>
+                <a:ext uri="{FF2B5EF4-FFF2-40B4-BE49-F238E27FC236}">
+                  <a16:creationId xmlns:a16="http://schemas.microsoft.com/office/drawing/2014/main" id="{8E96E435-8D16-E45B-76D2-B40663DEB605}"/>
+                </a:ext>
+              </a:extLst>
+            </p:cNvPr>
+            <p:cNvCxnSpPr>
+              <a:cxnSpLocks/>
+            </p:cNvCxnSpPr>
+            <p:nvPr/>
+          </p:nvCxnSpPr>
+          <p:spPr>
+            <a:xfrm>
+              <a:off x="3200400" y="1970263"/>
+              <a:ext cx="832757" cy="783577"/>
+            </a:xfrm>
+            <a:prstGeom prst="straightConnector1">
+              <a:avLst/>
+            </a:prstGeom>
+            <a:ln w="38100">
+              <a:solidFill>
+                <a:schemeClr val="tx1"/>
+              </a:solidFill>
+              <a:tailEnd type="triangle"/>
+            </a:ln>
+          </p:spPr>
+          <p:style>
+            <a:lnRef idx="2">
+              <a:schemeClr val="accent1"/>
+            </a:lnRef>
+            <a:fillRef idx="0">
+              <a:schemeClr val="accent1"/>
+            </a:fillRef>
+            <a:effectRef idx="1">
+              <a:schemeClr val="accent1"/>
+            </a:effectRef>
+            <a:fontRef idx="minor">
               <a:schemeClr val="tx1"/>
-            </a:solidFill>
-          </a:ln>
-        </p:spPr>
-        <p:style>
-          <a:lnRef idx="2">
-            <a:schemeClr val="accent1">
-              <a:shade val="15000"/>
-            </a:schemeClr>
-          </a:lnRef>
-          <a:fillRef idx="1">
-            <a:schemeClr val="accent1"/>
-          </a:fillRef>
-          <a:effectRef idx="0">
-            <a:schemeClr val="accent1"/>
-          </a:effectRef>
-          <a:fontRef idx="minor">
-            <a:schemeClr val="lt1"/>
-          </a:fontRef>
-        </p:style>
-        <p:txBody>
-          <a:bodyPr rtlCol="0" anchor="ctr"/>
-          <a:lstStyle/>
-          <a:p>
-            <a:pPr algn="ctr"/>
-            <a:endParaRPr lang="de-DE"/>
-          </a:p>
-        </p:txBody>
-      </p:sp>
-      <p:cxnSp>
-        <p:nvCxnSpPr>
-          <p:cNvPr id="10" name="Gerade Verbindung mit Pfeil 9">
-            <a:extLst>
-              <a:ext uri="{FF2B5EF4-FFF2-40B4-BE49-F238E27FC236}">
-                <a16:creationId xmlns:a16="http://schemas.microsoft.com/office/drawing/2014/main" id="{8E96E435-8D16-E45B-76D2-B40663DEB605}"/>
-              </a:ext>
-            </a:extLst>
-          </p:cNvPr>
-          <p:cNvCxnSpPr>
-            <a:cxnSpLocks/>
-          </p:cNvCxnSpPr>
-          <p:nvPr/>
-        </p:nvCxnSpPr>
-        <p:spPr>
-          <a:xfrm>
-            <a:off x="3200400" y="1970263"/>
-            <a:ext cx="832757" cy="783577"/>
-          </a:xfrm>
-          <a:prstGeom prst="straightConnector1">
-            <a:avLst/>
-          </a:prstGeom>
-          <a:ln w="38100">
-            <a:solidFill>
-              <a:schemeClr val="tx1"/>
-            </a:solidFill>
-            <a:tailEnd type="triangle"/>
-          </a:ln>
-        </p:spPr>
-        <p:style>
-          <a:lnRef idx="2">
-            <a:schemeClr val="accent1"/>
-          </a:lnRef>
-          <a:fillRef idx="0">
-            <a:schemeClr val="accent1"/>
-          </a:fillRef>
-          <a:effectRef idx="1">
-            <a:schemeClr val="accent1"/>
-          </a:effectRef>
-          <a:fontRef idx="minor">
-            <a:schemeClr val="tx1"/>
-          </a:fontRef>
-        </p:style>
-      </p:cxnSp>
+            </a:fontRef>
+          </p:style>
+        </p:cxnSp>
+      </p:grpSp>
     </p:spTree>
     <p:extLst>
       <p:ext uri="{BB962C8B-B14F-4D97-AF65-F5344CB8AC3E}">
@@ -7940,43 +7982,6 @@
           <a:chExt cx="0" cy="0"/>
         </a:xfrm>
       </p:grpSpPr>
-      <p:pic>
-        <p:nvPicPr>
-          <p:cNvPr id="8" name="Grafik 7" descr="Ein Bild, das Text, Screenshot, Diagramm, Plan enthält.&#10;&#10;KI-generierte Inhalte können fehlerhaft sein.">
-            <a:extLst>
-              <a:ext uri="{FF2B5EF4-FFF2-40B4-BE49-F238E27FC236}">
-                <a16:creationId xmlns:a16="http://schemas.microsoft.com/office/drawing/2014/main" id="{7036A5E0-77A2-F3D0-78F9-473DE777DB8C}"/>
-              </a:ext>
-            </a:extLst>
-          </p:cNvPr>
-          <p:cNvPicPr>
-            <a:picLocks noChangeAspect="1"/>
-          </p:cNvPicPr>
-          <p:nvPr/>
-        </p:nvPicPr>
-        <p:blipFill>
-          <a:blip r:embed="rId2">
-            <a:extLst>
-              <a:ext uri="{28A0092B-C50C-407E-A947-70E740481C1C}">
-                <a14:useLocalDpi xmlns:a14="http://schemas.microsoft.com/office/drawing/2010/main" val="0"/>
-              </a:ext>
-            </a:extLst>
-          </a:blip>
-          <a:srcRect l="13345" t="51706" r="20795"/>
-          <a:stretch>
-            <a:fillRect/>
-          </a:stretch>
-        </p:blipFill>
-        <p:spPr>
-          <a:xfrm>
-            <a:off x="3695700" y="2416629"/>
-            <a:ext cx="7317124" cy="3684814"/>
-          </a:xfrm>
-          <a:prstGeom prst="rect">
-            <a:avLst/>
-          </a:prstGeom>
-        </p:spPr>
-      </p:pic>
       <p:sp>
         <p:nvSpPr>
           <p:cNvPr id="2" name="Titel 1">
@@ -8049,138 +8054,196 @@
           </a:p>
         </p:txBody>
       </p:sp>
-      <p:pic>
-        <p:nvPicPr>
-          <p:cNvPr id="5" name="Grafik 4" descr="Ein Bild, das Text, Screenshot, Diagramm, Plan enthält.&#10;&#10;KI-generierte Inhalte können fehlerhaft sein.">
-            <a:extLst>
-              <a:ext uri="{FF2B5EF4-FFF2-40B4-BE49-F238E27FC236}">
-                <a16:creationId xmlns:a16="http://schemas.microsoft.com/office/drawing/2014/main" id="{F84D71B0-0745-59DE-6670-B3A3F1652FAB}"/>
-              </a:ext>
-            </a:extLst>
-          </p:cNvPr>
-          <p:cNvPicPr>
-            <a:picLocks noChangeAspect="1"/>
-          </p:cNvPicPr>
+      <p:grpSp>
+        <p:nvGrpSpPr>
+          <p:cNvPr id="6" name="Gruppieren 5">
+            <a:extLst>
+              <a:ext uri="{FF2B5EF4-FFF2-40B4-BE49-F238E27FC236}">
+                <a16:creationId xmlns:a16="http://schemas.microsoft.com/office/drawing/2014/main" id="{38D4DF29-242B-3373-4C5E-2DD909995510}"/>
+              </a:ext>
+            </a:extLst>
+          </p:cNvPr>
+          <p:cNvGrpSpPr/>
           <p:nvPr/>
-        </p:nvPicPr>
-        <p:blipFill>
-          <a:blip r:embed="rId2">
-            <a:extLst>
-              <a:ext uri="{28A0092B-C50C-407E-A947-70E740481C1C}">
-                <a14:useLocalDpi xmlns:a14="http://schemas.microsoft.com/office/drawing/2010/main" val="0"/>
-              </a:ext>
-            </a:extLst>
-          </a:blip>
-          <a:stretch>
-            <a:fillRect/>
-          </a:stretch>
-        </p:blipFill>
-        <p:spPr>
+        </p:nvGrpSpPr>
+        <p:grpSpPr>
           <a:xfrm>
-            <a:off x="515802" y="1274016"/>
-            <a:ext cx="2519730" cy="1730441"/>
+            <a:off x="342900" y="1274016"/>
+            <a:ext cx="10669924" cy="4827427"/>
+            <a:chOff x="342900" y="1274016"/>
+            <a:chExt cx="10669924" cy="4827427"/>
           </a:xfrm>
-          <a:prstGeom prst="rect">
-            <a:avLst/>
-          </a:prstGeom>
-        </p:spPr>
-      </p:pic>
-      <p:sp>
-        <p:nvSpPr>
-          <p:cNvPr id="4" name="Ellipse 3">
-            <a:extLst>
-              <a:ext uri="{FF2B5EF4-FFF2-40B4-BE49-F238E27FC236}">
-                <a16:creationId xmlns:a16="http://schemas.microsoft.com/office/drawing/2014/main" id="{EBC0AB9D-236F-F606-A9CA-56863070E4CF}"/>
-              </a:ext>
-            </a:extLst>
-          </p:cNvPr>
-          <p:cNvSpPr/>
-          <p:nvPr/>
-        </p:nvSpPr>
-        <p:spPr>
-          <a:xfrm>
-            <a:off x="342900" y="2074116"/>
-            <a:ext cx="2857500" cy="1065278"/>
-          </a:xfrm>
-          <a:prstGeom prst="ellipse">
-            <a:avLst/>
-          </a:prstGeom>
-          <a:noFill/>
-          <a:ln>
-            <a:solidFill>
+        </p:grpSpPr>
+        <p:pic>
+          <p:nvPicPr>
+            <p:cNvPr id="8" name="Grafik 7" descr="Ein Bild, das Text, Screenshot, Diagramm, Plan enthält.&#10;&#10;KI-generierte Inhalte können fehlerhaft sein.">
+              <a:extLst>
+                <a:ext uri="{FF2B5EF4-FFF2-40B4-BE49-F238E27FC236}">
+                  <a16:creationId xmlns:a16="http://schemas.microsoft.com/office/drawing/2014/main" id="{7036A5E0-77A2-F3D0-78F9-473DE777DB8C}"/>
+                </a:ext>
+              </a:extLst>
+            </p:cNvPr>
+            <p:cNvPicPr>
+              <a:picLocks noChangeAspect="1"/>
+            </p:cNvPicPr>
+            <p:nvPr/>
+          </p:nvPicPr>
+          <p:blipFill>
+            <a:blip r:embed="rId2">
+              <a:extLst>
+                <a:ext uri="{28A0092B-C50C-407E-A947-70E740481C1C}">
+                  <a14:useLocalDpi xmlns:a14="http://schemas.microsoft.com/office/drawing/2010/main" val="0"/>
+                </a:ext>
+              </a:extLst>
+            </a:blip>
+            <a:srcRect l="13345" t="51706" r="20795"/>
+            <a:stretch>
+              <a:fillRect/>
+            </a:stretch>
+          </p:blipFill>
+          <p:spPr>
+            <a:xfrm>
+              <a:off x="3695700" y="2416629"/>
+              <a:ext cx="7317124" cy="3684814"/>
+            </a:xfrm>
+            <a:prstGeom prst="rect">
+              <a:avLst/>
+            </a:prstGeom>
+          </p:spPr>
+        </p:pic>
+        <p:pic>
+          <p:nvPicPr>
+            <p:cNvPr id="5" name="Grafik 4" descr="Ein Bild, das Text, Screenshot, Diagramm, Plan enthält.&#10;&#10;KI-generierte Inhalte können fehlerhaft sein.">
+              <a:extLst>
+                <a:ext uri="{FF2B5EF4-FFF2-40B4-BE49-F238E27FC236}">
+                  <a16:creationId xmlns:a16="http://schemas.microsoft.com/office/drawing/2014/main" id="{F84D71B0-0745-59DE-6670-B3A3F1652FAB}"/>
+                </a:ext>
+              </a:extLst>
+            </p:cNvPr>
+            <p:cNvPicPr>
+              <a:picLocks noChangeAspect="1"/>
+            </p:cNvPicPr>
+            <p:nvPr/>
+          </p:nvPicPr>
+          <p:blipFill>
+            <a:blip r:embed="rId2">
+              <a:extLst>
+                <a:ext uri="{28A0092B-C50C-407E-A947-70E740481C1C}">
+                  <a14:useLocalDpi xmlns:a14="http://schemas.microsoft.com/office/drawing/2010/main" val="0"/>
+                </a:ext>
+              </a:extLst>
+            </a:blip>
+            <a:stretch>
+              <a:fillRect/>
+            </a:stretch>
+          </p:blipFill>
+          <p:spPr>
+            <a:xfrm>
+              <a:off x="515802" y="1274016"/>
+              <a:ext cx="2519730" cy="1730441"/>
+            </a:xfrm>
+            <a:prstGeom prst="rect">
+              <a:avLst/>
+            </a:prstGeom>
+          </p:spPr>
+        </p:pic>
+        <p:sp>
+          <p:nvSpPr>
+            <p:cNvPr id="4" name="Ellipse 3">
+              <a:extLst>
+                <a:ext uri="{FF2B5EF4-FFF2-40B4-BE49-F238E27FC236}">
+                  <a16:creationId xmlns:a16="http://schemas.microsoft.com/office/drawing/2014/main" id="{EBC0AB9D-236F-F606-A9CA-56863070E4CF}"/>
+                </a:ext>
+              </a:extLst>
+            </p:cNvPr>
+            <p:cNvSpPr/>
+            <p:nvPr/>
+          </p:nvSpPr>
+          <p:spPr>
+            <a:xfrm>
+              <a:off x="342900" y="2074116"/>
+              <a:ext cx="2857500" cy="1065278"/>
+            </a:xfrm>
+            <a:prstGeom prst="ellipse">
+              <a:avLst/>
+            </a:prstGeom>
+            <a:noFill/>
+            <a:ln>
+              <a:solidFill>
+                <a:schemeClr val="tx1"/>
+              </a:solidFill>
+            </a:ln>
+          </p:spPr>
+          <p:style>
+            <a:lnRef idx="2">
+              <a:schemeClr val="accent1">
+                <a:shade val="15000"/>
+              </a:schemeClr>
+            </a:lnRef>
+            <a:fillRef idx="1">
+              <a:schemeClr val="accent1"/>
+            </a:fillRef>
+            <a:effectRef idx="0">
+              <a:schemeClr val="accent1"/>
+            </a:effectRef>
+            <a:fontRef idx="minor">
+              <a:schemeClr val="lt1"/>
+            </a:fontRef>
+          </p:style>
+          <p:txBody>
+            <a:bodyPr rtlCol="0" anchor="ctr"/>
+            <a:lstStyle/>
+            <a:p>
+              <a:pPr algn="ctr"/>
+              <a:endParaRPr lang="de-DE"/>
+            </a:p>
+          </p:txBody>
+        </p:sp>
+        <p:cxnSp>
+          <p:nvCxnSpPr>
+            <p:cNvPr id="10" name="Gerade Verbindung mit Pfeil 9">
+              <a:extLst>
+                <a:ext uri="{FF2B5EF4-FFF2-40B4-BE49-F238E27FC236}">
+                  <a16:creationId xmlns:a16="http://schemas.microsoft.com/office/drawing/2014/main" id="{25188317-D25D-53A1-5EA6-CAD5252C9A37}"/>
+                </a:ext>
+              </a:extLst>
+            </p:cNvPr>
+            <p:cNvCxnSpPr>
+              <a:cxnSpLocks/>
+            </p:cNvCxnSpPr>
+            <p:nvPr/>
+          </p:nvCxnSpPr>
+          <p:spPr>
+            <a:xfrm>
+              <a:off x="3106419" y="2882542"/>
+              <a:ext cx="855981" cy="256852"/>
+            </a:xfrm>
+            <a:prstGeom prst="straightConnector1">
+              <a:avLst/>
+            </a:prstGeom>
+            <a:ln w="38100">
+              <a:solidFill>
+                <a:schemeClr val="tx1"/>
+              </a:solidFill>
+              <a:tailEnd type="triangle"/>
+            </a:ln>
+          </p:spPr>
+          <p:style>
+            <a:lnRef idx="2">
+              <a:schemeClr val="accent1"/>
+            </a:lnRef>
+            <a:fillRef idx="0">
+              <a:schemeClr val="accent1"/>
+            </a:fillRef>
+            <a:effectRef idx="1">
+              <a:schemeClr val="accent1"/>
+            </a:effectRef>
+            <a:fontRef idx="minor">
               <a:schemeClr val="tx1"/>
-            </a:solidFill>
-          </a:ln>
-        </p:spPr>
-        <p:style>
-          <a:lnRef idx="2">
-            <a:schemeClr val="accent1">
-              <a:shade val="15000"/>
-            </a:schemeClr>
-          </a:lnRef>
-          <a:fillRef idx="1">
-            <a:schemeClr val="accent1"/>
-          </a:fillRef>
-          <a:effectRef idx="0">
-            <a:schemeClr val="accent1"/>
-          </a:effectRef>
-          <a:fontRef idx="minor">
-            <a:schemeClr val="lt1"/>
-          </a:fontRef>
-        </p:style>
-        <p:txBody>
-          <a:bodyPr rtlCol="0" anchor="ctr"/>
-          <a:lstStyle/>
-          <a:p>
-            <a:pPr algn="ctr"/>
-            <a:endParaRPr lang="de-DE"/>
-          </a:p>
-        </p:txBody>
-      </p:sp>
-      <p:cxnSp>
-        <p:nvCxnSpPr>
-          <p:cNvPr id="10" name="Gerade Verbindung mit Pfeil 9">
-            <a:extLst>
-              <a:ext uri="{FF2B5EF4-FFF2-40B4-BE49-F238E27FC236}">
-                <a16:creationId xmlns:a16="http://schemas.microsoft.com/office/drawing/2014/main" id="{25188317-D25D-53A1-5EA6-CAD5252C9A37}"/>
-              </a:ext>
-            </a:extLst>
-          </p:cNvPr>
-          <p:cNvCxnSpPr>
-            <a:cxnSpLocks/>
-          </p:cNvCxnSpPr>
-          <p:nvPr/>
-        </p:nvCxnSpPr>
-        <p:spPr>
-          <a:xfrm>
-            <a:off x="3106419" y="2882542"/>
-            <a:ext cx="855981" cy="256852"/>
-          </a:xfrm>
-          <a:prstGeom prst="straightConnector1">
-            <a:avLst/>
-          </a:prstGeom>
-          <a:ln w="38100">
-            <a:solidFill>
-              <a:schemeClr val="tx1"/>
-            </a:solidFill>
-            <a:tailEnd type="triangle"/>
-          </a:ln>
-        </p:spPr>
-        <p:style>
-          <a:lnRef idx="2">
-            <a:schemeClr val="accent1"/>
-          </a:lnRef>
-          <a:fillRef idx="0">
-            <a:schemeClr val="accent1"/>
-          </a:fillRef>
-          <a:effectRef idx="1">
-            <a:schemeClr val="accent1"/>
-          </a:effectRef>
-          <a:fontRef idx="minor">
-            <a:schemeClr val="tx1"/>
-          </a:fontRef>
-        </p:style>
-      </p:cxnSp>
+            </a:fontRef>
+          </p:style>
+        </p:cxnSp>
+      </p:grpSp>
     </p:spTree>
     <p:extLst>
       <p:ext uri="{BB962C8B-B14F-4D97-AF65-F5344CB8AC3E}">
@@ -8366,42 +8429,6 @@
           <a:chExt cx="0" cy="0"/>
         </a:xfrm>
       </p:grpSpPr>
-      <p:pic>
-        <p:nvPicPr>
-          <p:cNvPr id="13" name="Grafik 12">
-            <a:extLst>
-              <a:ext uri="{FF2B5EF4-FFF2-40B4-BE49-F238E27FC236}">
-                <a16:creationId xmlns:a16="http://schemas.microsoft.com/office/drawing/2014/main" id="{5806AB56-C88F-ACDF-C787-7DA13C3A6161}"/>
-              </a:ext>
-            </a:extLst>
-          </p:cNvPr>
-          <p:cNvPicPr>
-            <a:picLocks noChangeAspect="1"/>
-          </p:cNvPicPr>
-          <p:nvPr/>
-        </p:nvPicPr>
-        <p:blipFill>
-          <a:blip r:embed="rId2"/>
-          <a:srcRect l="1329" t="1644"/>
-          <a:stretch>
-            <a:fillRect/>
-          </a:stretch>
-        </p:blipFill>
-        <p:spPr>
-          <a:xfrm>
-            <a:off x="3899690" y="328707"/>
-            <a:ext cx="4582800" cy="2930185"/>
-          </a:xfrm>
-          <a:prstGeom prst="rect">
-            <a:avLst/>
-          </a:prstGeom>
-          <a:ln>
-            <a:solidFill>
-              <a:schemeClr val="tx1"/>
-            </a:solidFill>
-          </a:ln>
-        </p:spPr>
-      </p:pic>
       <p:sp>
         <p:nvSpPr>
           <p:cNvPr id="2" name="Titel 1">
@@ -8500,10 +8527,10 @@
       </p:sp>
       <p:grpSp>
         <p:nvGrpSpPr>
-          <p:cNvPr id="4" name="Gruppieren 3">
-            <a:extLst>
-              <a:ext uri="{FF2B5EF4-FFF2-40B4-BE49-F238E27FC236}">
-                <a16:creationId xmlns:a16="http://schemas.microsoft.com/office/drawing/2014/main" id="{64724BF8-BB95-82CD-9875-80EB681389AE}"/>
+          <p:cNvPr id="5" name="Gruppieren 4">
+            <a:extLst>
+              <a:ext uri="{FF2B5EF4-FFF2-40B4-BE49-F238E27FC236}">
+                <a16:creationId xmlns:a16="http://schemas.microsoft.com/office/drawing/2014/main" id="{2A0D7D8E-944D-4365-C6C3-DF922992855A}"/>
               </a:ext>
             </a:extLst>
           </p:cNvPr>
@@ -8512,144 +8539,18 @@
         </p:nvGrpSpPr>
         <p:grpSpPr>
           <a:xfrm>
-            <a:off x="7372840" y="2724865"/>
-            <a:ext cx="1380635" cy="281231"/>
-            <a:chOff x="4054788" y="2952082"/>
-            <a:chExt cx="1612636" cy="343427"/>
-          </a:xfrm>
-        </p:grpSpPr>
-        <p:cxnSp>
-          <p:nvCxnSpPr>
-            <p:cNvPr id="6" name="Gerade Verbindung mit Pfeil 5">
-              <a:extLst>
-                <a:ext uri="{FF2B5EF4-FFF2-40B4-BE49-F238E27FC236}">
-                  <a16:creationId xmlns:a16="http://schemas.microsoft.com/office/drawing/2014/main" id="{53E71200-67BD-F4FF-BE3E-9C1D11DF7E3C}"/>
-                </a:ext>
-              </a:extLst>
-            </p:cNvPr>
-            <p:cNvCxnSpPr/>
-            <p:nvPr/>
-          </p:nvCxnSpPr>
-          <p:spPr>
-            <a:xfrm>
-              <a:off x="4149545" y="3250282"/>
-              <a:ext cx="1179782" cy="0"/>
-            </a:xfrm>
-            <a:prstGeom prst="straightConnector1">
-              <a:avLst/>
-            </a:prstGeom>
-            <a:ln w="28575">
-              <a:solidFill>
-                <a:schemeClr val="tx1"/>
-              </a:solidFill>
-              <a:headEnd type="triangle"/>
-              <a:tailEnd type="triangle"/>
-            </a:ln>
-          </p:spPr>
-          <p:style>
-            <a:lnRef idx="1">
-              <a:schemeClr val="accent1"/>
-            </a:lnRef>
-            <a:fillRef idx="0">
-              <a:schemeClr val="accent1"/>
-            </a:fillRef>
-            <a:effectRef idx="0">
-              <a:schemeClr val="accent1"/>
-            </a:effectRef>
-            <a:fontRef idx="minor">
-              <a:schemeClr val="tx1"/>
-            </a:fontRef>
-          </p:style>
-        </p:cxnSp>
-        <p:sp>
-          <p:nvSpPr>
-            <p:cNvPr id="7" name="Textfeld 2">
-              <a:extLst>
-                <a:ext uri="{FF2B5EF4-FFF2-40B4-BE49-F238E27FC236}">
-                  <a16:creationId xmlns:a16="http://schemas.microsoft.com/office/drawing/2014/main" id="{5A7D8CFC-18C1-8712-2C43-82821DB41D14}"/>
-                </a:ext>
-              </a:extLst>
-            </p:cNvPr>
-            <p:cNvSpPr txBox="1">
-              <a:spLocks noChangeArrowheads="1"/>
-            </p:cNvSpPr>
-            <p:nvPr/>
-          </p:nvSpPr>
-          <p:spPr bwMode="auto">
-            <a:xfrm>
-              <a:off x="4054788" y="2952082"/>
-              <a:ext cx="1612636" cy="343427"/>
-            </a:xfrm>
-            <a:prstGeom prst="rect">
-              <a:avLst/>
-            </a:prstGeom>
-            <a:noFill/>
-            <a:ln w="9525">
-              <a:noFill/>
-              <a:miter lim="800000"/>
-              <a:headEnd/>
-              <a:tailEnd/>
-            </a:ln>
-          </p:spPr>
-          <p:txBody>
-            <a:bodyPr rot="0" vert="horz" wrap="square" lIns="91440" tIns="45720" rIns="91440" bIns="45720" anchor="t" anchorCtr="0">
-              <a:spAutoFit/>
-            </a:bodyPr>
-            <a:lstStyle/>
-            <a:p>
-              <a:pPr>
-                <a:lnSpc>
-                  <a:spcPct val="107000"/>
-                </a:lnSpc>
-                <a:spcAft>
-                  <a:spcPts val="800"/>
-                </a:spcAft>
-              </a:pPr>
-              <a:r>
-                <a:rPr lang="de-CH" sz="1200" dirty="0">
-                  <a:effectLst/>
-                  <a:latin typeface="Calibri" panose="020F0502020204030204" pitchFamily="34" charset="0"/>
-                  <a:ea typeface="Calibri" panose="020F0502020204030204" pitchFamily="34" charset="0"/>
-                  <a:cs typeface="Times New Roman" panose="02020603050405020304" pitchFamily="18" charset="0"/>
-                </a:rPr>
-                <a:t>Großer Abstand</a:t>
-              </a:r>
-              <a:endParaRPr lang="de-DE" sz="1100" dirty="0">
-                <a:effectLst/>
-                <a:latin typeface="Calibri" panose="020F0502020204030204" pitchFamily="34" charset="0"/>
-                <a:ea typeface="Calibri" panose="020F0502020204030204" pitchFamily="34" charset="0"/>
-                <a:cs typeface="Times New Roman" panose="02020603050405020304" pitchFamily="18" charset="0"/>
-              </a:endParaRPr>
-            </a:p>
-          </p:txBody>
-        </p:sp>
-      </p:grpSp>
-      <p:grpSp>
-        <p:nvGrpSpPr>
-          <p:cNvPr id="8" name="Gruppieren 7">
-            <a:extLst>
-              <a:ext uri="{FF2B5EF4-FFF2-40B4-BE49-F238E27FC236}">
-                <a16:creationId xmlns:a16="http://schemas.microsoft.com/office/drawing/2014/main" id="{2CE57DFE-31CF-A146-175D-8D5DA1F4342E}"/>
-              </a:ext>
-            </a:extLst>
-          </p:cNvPr>
-          <p:cNvGrpSpPr/>
-          <p:nvPr/>
-        </p:nvGrpSpPr>
-        <p:grpSpPr>
-          <a:xfrm>
-            <a:off x="6729991" y="3215997"/>
-            <a:ext cx="4708634" cy="2866075"/>
-            <a:chOff x="0" y="0"/>
-            <a:chExt cx="5595455" cy="3533775"/>
+            <a:off x="3899690" y="328707"/>
+            <a:ext cx="7487180" cy="5753365"/>
+            <a:chOff x="3899690" y="328707"/>
+            <a:chExt cx="7487180" cy="5753365"/>
           </a:xfrm>
         </p:grpSpPr>
         <p:pic>
           <p:nvPicPr>
-            <p:cNvPr id="9" name="Grafik 8" descr="Ein Bild, das Text, Elektronik, Screenshot, Display enthält.&#10;&#10;KI-generierte Inhalte können fehlerhaft sein.">
+            <p:cNvPr id="13" name="Grafik 12">
               <a:extLst>
                 <a:ext uri="{FF2B5EF4-FFF2-40B4-BE49-F238E27FC236}">
-                  <a16:creationId xmlns:a16="http://schemas.microsoft.com/office/drawing/2014/main" id="{4A5EB9C9-2BE1-3980-6FF5-2F05E3A50C81}"/>
+                  <a16:creationId xmlns:a16="http://schemas.microsoft.com/office/drawing/2014/main" id="{5806AB56-C88F-ACDF-C787-7DA13C3A6161}"/>
                 </a:ext>
               </a:extLst>
             </p:cNvPr>
@@ -8658,23 +8559,17 @@
             </p:cNvPicPr>
             <p:nvPr/>
           </p:nvPicPr>
-          <p:blipFill rotWithShape="1">
-            <a:blip r:embed="rId3">
-              <a:extLst>
-                <a:ext uri="{28A0092B-C50C-407E-A947-70E740481C1C}">
-                  <a14:useLocalDpi xmlns:a14="http://schemas.microsoft.com/office/drawing/2010/main" val="0"/>
-                </a:ext>
-              </a:extLst>
-            </a:blip>
-            <a:srcRect l="1277" t="1092" r="927" b="21812"/>
+          <p:blipFill>
+            <a:blip r:embed="rId2"/>
+            <a:srcRect l="1329" t="1644"/>
             <a:stretch>
               <a:fillRect/>
             </a:stretch>
           </p:blipFill>
-          <p:spPr bwMode="auto">
+          <p:spPr>
             <a:xfrm>
-              <a:off x="0" y="0"/>
-              <a:ext cx="5365115" cy="3533775"/>
+              <a:off x="3899690" y="328707"/>
+              <a:ext cx="4582800" cy="2930185"/>
             </a:xfrm>
             <a:prstGeom prst="rect">
               <a:avLst/>
@@ -8684,137 +8579,326 @@
                 <a:schemeClr val="tx1"/>
               </a:solidFill>
             </a:ln>
-            <a:extLst>
-              <a:ext uri="{53640926-AAD7-44D8-BBD7-CCE9431645EC}">
-                <a14:shadowObscured xmlns:a14="http://schemas.microsoft.com/office/drawing/2010/main"/>
-              </a:ext>
-            </a:extLst>
           </p:spPr>
         </p:pic>
-        <p:sp>
-          <p:nvSpPr>
-            <p:cNvPr id="10" name="Textfeld 2">
+        <p:grpSp>
+          <p:nvGrpSpPr>
+            <p:cNvPr id="4" name="Gruppieren 3">
               <a:extLst>
                 <a:ext uri="{FF2B5EF4-FFF2-40B4-BE49-F238E27FC236}">
-                  <a16:creationId xmlns:a16="http://schemas.microsoft.com/office/drawing/2014/main" id="{48E1360C-9017-2D89-B5A1-0782A4AA050C}"/>
+                  <a16:creationId xmlns:a16="http://schemas.microsoft.com/office/drawing/2014/main" id="{64724BF8-BB95-82CD-9875-80EB681389AE}"/>
                 </a:ext>
               </a:extLst>
             </p:cNvPr>
-            <p:cNvSpPr txBox="1">
-              <a:spLocks noChangeArrowheads="1"/>
-            </p:cNvSpPr>
+            <p:cNvGrpSpPr/>
             <p:nvPr/>
-          </p:nvSpPr>
-          <p:spPr bwMode="auto">
+          </p:nvGrpSpPr>
+          <p:grpSpPr>
             <a:xfrm>
-              <a:off x="4719306" y="2755821"/>
-              <a:ext cx="876149" cy="716897"/>
+              <a:off x="7372840" y="2724865"/>
+              <a:ext cx="1380635" cy="281231"/>
+              <a:chOff x="4054788" y="2952082"/>
+              <a:chExt cx="1612636" cy="343427"/>
             </a:xfrm>
-            <a:prstGeom prst="rect">
-              <a:avLst/>
-            </a:prstGeom>
-            <a:noFill/>
-            <a:ln w="9525">
+          </p:grpSpPr>
+          <p:cxnSp>
+            <p:nvCxnSpPr>
+              <p:cNvPr id="6" name="Gerade Verbindung mit Pfeil 5">
+                <a:extLst>
+                  <a:ext uri="{FF2B5EF4-FFF2-40B4-BE49-F238E27FC236}">
+                    <a16:creationId xmlns:a16="http://schemas.microsoft.com/office/drawing/2014/main" id="{53E71200-67BD-F4FF-BE3E-9C1D11DF7E3C}"/>
+                  </a:ext>
+                </a:extLst>
+              </p:cNvPr>
+              <p:cNvCxnSpPr/>
+              <p:nvPr/>
+            </p:nvCxnSpPr>
+            <p:spPr>
+              <a:xfrm>
+                <a:off x="4149545" y="3250282"/>
+                <a:ext cx="1179782" cy="0"/>
+              </a:xfrm>
+              <a:prstGeom prst="straightConnector1">
+                <a:avLst/>
+              </a:prstGeom>
+              <a:ln w="28575">
+                <a:solidFill>
+                  <a:schemeClr val="tx1"/>
+                </a:solidFill>
+                <a:headEnd type="triangle"/>
+                <a:tailEnd type="triangle"/>
+              </a:ln>
+            </p:spPr>
+            <p:style>
+              <a:lnRef idx="1">
+                <a:schemeClr val="accent1"/>
+              </a:lnRef>
+              <a:fillRef idx="0">
+                <a:schemeClr val="accent1"/>
+              </a:fillRef>
+              <a:effectRef idx="0">
+                <a:schemeClr val="accent1"/>
+              </a:effectRef>
+              <a:fontRef idx="minor">
+                <a:schemeClr val="tx1"/>
+              </a:fontRef>
+            </p:style>
+          </p:cxnSp>
+          <p:sp>
+            <p:nvSpPr>
+              <p:cNvPr id="7" name="Textfeld 2">
+                <a:extLst>
+                  <a:ext uri="{FF2B5EF4-FFF2-40B4-BE49-F238E27FC236}">
+                    <a16:creationId xmlns:a16="http://schemas.microsoft.com/office/drawing/2014/main" id="{5A7D8CFC-18C1-8712-2C43-82821DB41D14}"/>
+                  </a:ext>
+                </a:extLst>
+              </p:cNvPr>
+              <p:cNvSpPr txBox="1">
+                <a:spLocks noChangeArrowheads="1"/>
+              </p:cNvSpPr>
+              <p:nvPr/>
+            </p:nvSpPr>
+            <p:spPr bwMode="auto">
+              <a:xfrm>
+                <a:off x="4054788" y="2952082"/>
+                <a:ext cx="1612636" cy="343427"/>
+              </a:xfrm>
+              <a:prstGeom prst="rect">
+                <a:avLst/>
+              </a:prstGeom>
               <a:noFill/>
-              <a:miter lim="800000"/>
-              <a:headEnd/>
-              <a:tailEnd/>
-            </a:ln>
-          </p:spPr>
-          <p:txBody>
-            <a:bodyPr rot="0" vert="horz" wrap="square" lIns="91440" tIns="45720" rIns="91440" bIns="45720" anchor="t" anchorCtr="0">
-              <a:spAutoFit/>
-            </a:bodyPr>
-            <a:lstStyle/>
-            <a:p>
-              <a:pPr>
-                <a:lnSpc>
-                  <a:spcPct val="107000"/>
-                </a:lnSpc>
-                <a:spcAft>
-                  <a:spcPts val="800"/>
-                </a:spcAft>
-              </a:pPr>
-              <a:r>
-                <a:rPr lang="de-CH" sz="1200" dirty="0">
+              <a:ln w="9525">
+                <a:noFill/>
+                <a:miter lim="800000"/>
+                <a:headEnd/>
+                <a:tailEnd/>
+              </a:ln>
+            </p:spPr>
+            <p:txBody>
+              <a:bodyPr rot="0" vert="horz" wrap="square" lIns="91440" tIns="45720" rIns="91440" bIns="45720" anchor="t" anchorCtr="0">
+                <a:spAutoFit/>
+              </a:bodyPr>
+              <a:lstStyle/>
+              <a:p>
+                <a:pPr>
+                  <a:lnSpc>
+                    <a:spcPct val="107000"/>
+                  </a:lnSpc>
+                  <a:spcAft>
+                    <a:spcPts val="800"/>
+                  </a:spcAft>
+                </a:pPr>
+                <a:r>
+                  <a:rPr lang="de-CH" sz="1200" dirty="0">
+                    <a:effectLst/>
+                    <a:latin typeface="Calibri" panose="020F0502020204030204" pitchFamily="34" charset="0"/>
+                    <a:ea typeface="Calibri" panose="020F0502020204030204" pitchFamily="34" charset="0"/>
+                    <a:cs typeface="Times New Roman" panose="02020603050405020304" pitchFamily="18" charset="0"/>
+                  </a:rPr>
+                  <a:t>Großer Abstand</a:t>
+                </a:r>
+                <a:endParaRPr lang="de-DE" sz="1100" dirty="0">
                   <a:effectLst/>
                   <a:latin typeface="Calibri" panose="020F0502020204030204" pitchFamily="34" charset="0"/>
                   <a:ea typeface="Calibri" panose="020F0502020204030204" pitchFamily="34" charset="0"/>
                   <a:cs typeface="Times New Roman" panose="02020603050405020304" pitchFamily="18" charset="0"/>
-                </a:rPr>
-                <a:t>Kurzer </a:t>
-              </a:r>
-            </a:p>
-            <a:p>
-              <a:pPr>
-                <a:lnSpc>
-                  <a:spcPct val="107000"/>
-                </a:lnSpc>
-                <a:spcAft>
-                  <a:spcPts val="800"/>
-                </a:spcAft>
-              </a:pPr>
-              <a:r>
-                <a:rPr lang="de-CH" sz="1200" dirty="0">
+                </a:endParaRPr>
+              </a:p>
+            </p:txBody>
+          </p:sp>
+        </p:grpSp>
+        <p:grpSp>
+          <p:nvGrpSpPr>
+            <p:cNvPr id="8" name="Gruppieren 7">
+              <a:extLst>
+                <a:ext uri="{FF2B5EF4-FFF2-40B4-BE49-F238E27FC236}">
+                  <a16:creationId xmlns:a16="http://schemas.microsoft.com/office/drawing/2014/main" id="{2CE57DFE-31CF-A146-175D-8D5DA1F4342E}"/>
+                </a:ext>
+              </a:extLst>
+            </p:cNvPr>
+            <p:cNvGrpSpPr/>
+            <p:nvPr/>
+          </p:nvGrpSpPr>
+          <p:grpSpPr>
+            <a:xfrm>
+              <a:off x="6729991" y="3215997"/>
+              <a:ext cx="4656879" cy="2866075"/>
+              <a:chOff x="0" y="0"/>
+              <a:chExt cx="5533950" cy="3533775"/>
+            </a:xfrm>
+          </p:grpSpPr>
+          <p:pic>
+            <p:nvPicPr>
+              <p:cNvPr id="9" name="Grafik 8" descr="Ein Bild, das Text, Elektronik, Screenshot, Display enthält.&#10;&#10;KI-generierte Inhalte können fehlerhaft sein.">
+                <a:extLst>
+                  <a:ext uri="{FF2B5EF4-FFF2-40B4-BE49-F238E27FC236}">
+                    <a16:creationId xmlns:a16="http://schemas.microsoft.com/office/drawing/2014/main" id="{4A5EB9C9-2BE1-3980-6FF5-2F05E3A50C81}"/>
+                  </a:ext>
+                </a:extLst>
+              </p:cNvPr>
+              <p:cNvPicPr>
+                <a:picLocks noChangeAspect="1"/>
+              </p:cNvPicPr>
+              <p:nvPr/>
+            </p:nvPicPr>
+            <p:blipFill rotWithShape="1">
+              <a:blip r:embed="rId3">
+                <a:extLst>
+                  <a:ext uri="{28A0092B-C50C-407E-A947-70E740481C1C}">
+                    <a14:useLocalDpi xmlns:a14="http://schemas.microsoft.com/office/drawing/2010/main" val="0"/>
+                  </a:ext>
+                </a:extLst>
+              </a:blip>
+              <a:srcRect l="1277" t="1092" r="927" b="21812"/>
+              <a:stretch>
+                <a:fillRect/>
+              </a:stretch>
+            </p:blipFill>
+            <p:spPr bwMode="auto">
+              <a:xfrm>
+                <a:off x="0" y="0"/>
+                <a:ext cx="5365115" cy="3533775"/>
+              </a:xfrm>
+              <a:prstGeom prst="rect">
+                <a:avLst/>
+              </a:prstGeom>
+              <a:ln>
+                <a:solidFill>
+                  <a:schemeClr val="tx1"/>
+                </a:solidFill>
+              </a:ln>
+              <a:extLst>
+                <a:ext uri="{53640926-AAD7-44D8-BBD7-CCE9431645EC}">
+                  <a14:shadowObscured xmlns:a14="http://schemas.microsoft.com/office/drawing/2010/main"/>
+                </a:ext>
+              </a:extLst>
+            </p:spPr>
+          </p:pic>
+          <p:sp>
+            <p:nvSpPr>
+              <p:cNvPr id="10" name="Textfeld 2">
+                <a:extLst>
+                  <a:ext uri="{FF2B5EF4-FFF2-40B4-BE49-F238E27FC236}">
+                    <a16:creationId xmlns:a16="http://schemas.microsoft.com/office/drawing/2014/main" id="{48E1360C-9017-2D89-B5A1-0782A4AA050C}"/>
+                  </a:ext>
+                </a:extLst>
+              </p:cNvPr>
+              <p:cNvSpPr txBox="1">
+                <a:spLocks noChangeArrowheads="1"/>
+              </p:cNvSpPr>
+              <p:nvPr/>
+            </p:nvSpPr>
+            <p:spPr bwMode="auto">
+              <a:xfrm>
+                <a:off x="4657801" y="2755821"/>
+                <a:ext cx="876149" cy="716897"/>
+              </a:xfrm>
+              <a:prstGeom prst="rect">
+                <a:avLst/>
+              </a:prstGeom>
+              <a:noFill/>
+              <a:ln w="9525">
+                <a:noFill/>
+                <a:miter lim="800000"/>
+                <a:headEnd/>
+                <a:tailEnd/>
+              </a:ln>
+            </p:spPr>
+            <p:txBody>
+              <a:bodyPr rot="0" vert="horz" wrap="square" lIns="91440" tIns="45720" rIns="91440" bIns="45720" anchor="t" anchorCtr="0">
+                <a:spAutoFit/>
+              </a:bodyPr>
+              <a:lstStyle/>
+              <a:p>
+                <a:pPr>
+                  <a:lnSpc>
+                    <a:spcPct val="107000"/>
+                  </a:lnSpc>
+                  <a:spcAft>
+                    <a:spcPts val="800"/>
+                  </a:spcAft>
+                </a:pPr>
+                <a:r>
+                  <a:rPr lang="de-CH" sz="1200" dirty="0">
+                    <a:effectLst/>
+                    <a:latin typeface="Calibri" panose="020F0502020204030204" pitchFamily="34" charset="0"/>
+                    <a:ea typeface="Calibri" panose="020F0502020204030204" pitchFamily="34" charset="0"/>
+                    <a:cs typeface="Times New Roman" panose="02020603050405020304" pitchFamily="18" charset="0"/>
+                  </a:rPr>
+                  <a:t>Kurzer </a:t>
+                </a:r>
+              </a:p>
+              <a:p>
+                <a:pPr>
+                  <a:lnSpc>
+                    <a:spcPct val="107000"/>
+                  </a:lnSpc>
+                  <a:spcAft>
+                    <a:spcPts val="800"/>
+                  </a:spcAft>
+                </a:pPr>
+                <a:r>
+                  <a:rPr lang="de-CH" sz="1200" dirty="0">
+                    <a:effectLst/>
+                    <a:latin typeface="Calibri" panose="020F0502020204030204" pitchFamily="34" charset="0"/>
+                    <a:ea typeface="Calibri" panose="020F0502020204030204" pitchFamily="34" charset="0"/>
+                    <a:cs typeface="Times New Roman" panose="02020603050405020304" pitchFamily="18" charset="0"/>
+                  </a:rPr>
+                  <a:t>Abstand</a:t>
+                </a:r>
+                <a:endParaRPr lang="de-DE" sz="1100" dirty="0">
                   <a:effectLst/>
                   <a:latin typeface="Calibri" panose="020F0502020204030204" pitchFamily="34" charset="0"/>
                   <a:ea typeface="Calibri" panose="020F0502020204030204" pitchFamily="34" charset="0"/>
                   <a:cs typeface="Times New Roman" panose="02020603050405020304" pitchFamily="18" charset="0"/>
-                </a:rPr>
-                <a:t>Abstand</a:t>
-              </a:r>
-              <a:endParaRPr lang="de-DE" sz="1100" dirty="0">
-                <a:effectLst/>
-                <a:latin typeface="Calibri" panose="020F0502020204030204" pitchFamily="34" charset="0"/>
-                <a:ea typeface="Calibri" panose="020F0502020204030204" pitchFamily="34" charset="0"/>
-                <a:cs typeface="Times New Roman" panose="02020603050405020304" pitchFamily="18" charset="0"/>
-              </a:endParaRPr>
-            </a:p>
-          </p:txBody>
-        </p:sp>
-        <p:cxnSp>
-          <p:nvCxnSpPr>
-            <p:cNvPr id="11" name="Gerade Verbindung mit Pfeil 10">
-              <a:extLst>
-                <a:ext uri="{FF2B5EF4-FFF2-40B4-BE49-F238E27FC236}">
-                  <a16:creationId xmlns:a16="http://schemas.microsoft.com/office/drawing/2014/main" id="{D33338C7-08E6-B298-0478-EE6C3042EBC8}"/>
-                </a:ext>
-              </a:extLst>
-            </p:cNvPr>
-            <p:cNvCxnSpPr/>
-            <p:nvPr/>
-          </p:nvCxnSpPr>
-          <p:spPr>
-            <a:xfrm flipV="1">
-              <a:off x="4748981" y="3102569"/>
-              <a:ext cx="609600" cy="6774"/>
-            </a:xfrm>
-            <a:prstGeom prst="straightConnector1">
-              <a:avLst/>
-            </a:prstGeom>
-            <a:ln w="28575">
-              <a:solidFill>
+                </a:endParaRPr>
+              </a:p>
+            </p:txBody>
+          </p:sp>
+          <p:cxnSp>
+            <p:nvCxnSpPr>
+              <p:cNvPr id="11" name="Gerade Verbindung mit Pfeil 10">
+                <a:extLst>
+                  <a:ext uri="{FF2B5EF4-FFF2-40B4-BE49-F238E27FC236}">
+                    <a16:creationId xmlns:a16="http://schemas.microsoft.com/office/drawing/2014/main" id="{D33338C7-08E6-B298-0478-EE6C3042EBC8}"/>
+                  </a:ext>
+                </a:extLst>
+              </p:cNvPr>
+              <p:cNvCxnSpPr/>
+              <p:nvPr/>
+            </p:nvCxnSpPr>
+            <p:spPr>
+              <a:xfrm flipV="1">
+                <a:off x="4748981" y="3102569"/>
+                <a:ext cx="609600" cy="6774"/>
+              </a:xfrm>
+              <a:prstGeom prst="straightConnector1">
+                <a:avLst/>
+              </a:prstGeom>
+              <a:ln w="28575">
+                <a:solidFill>
+                  <a:schemeClr val="tx1"/>
+                </a:solidFill>
+                <a:headEnd type="triangle"/>
+                <a:tailEnd type="triangle"/>
+              </a:ln>
+            </p:spPr>
+            <p:style>
+              <a:lnRef idx="1">
+                <a:schemeClr val="accent1"/>
+              </a:lnRef>
+              <a:fillRef idx="0">
+                <a:schemeClr val="accent1"/>
+              </a:fillRef>
+              <a:effectRef idx="0">
+                <a:schemeClr val="accent1"/>
+              </a:effectRef>
+              <a:fontRef idx="minor">
                 <a:schemeClr val="tx1"/>
-              </a:solidFill>
-              <a:headEnd type="triangle"/>
-              <a:tailEnd type="triangle"/>
-            </a:ln>
-          </p:spPr>
-          <p:style>
-            <a:lnRef idx="1">
-              <a:schemeClr val="accent1"/>
-            </a:lnRef>
-            <a:fillRef idx="0">
-              <a:schemeClr val="accent1"/>
-            </a:fillRef>
-            <a:effectRef idx="0">
-              <a:schemeClr val="accent1"/>
-            </a:effectRef>
-            <a:fontRef idx="minor">
-              <a:schemeClr val="tx1"/>
-            </a:fontRef>
-          </p:style>
-        </p:cxnSp>
+              </a:fontRef>
+            </p:style>
+          </p:cxnSp>
+        </p:grpSp>
       </p:grpSp>
     </p:spTree>
     <p:extLst>
